--- a/Hive_Def_Guide_mar_2016/Hive_programming_Hive_part3.pptx
+++ b/Hive_Def_Guide_mar_2016/Hive_programming_Hive_part3.pptx
@@ -5,7 +5,7 @@
     <p:sldMasterId id="2147483648" r:id="rId1"/>
   </p:sldMasterIdLst>
   <p:notesMasterIdLst>
-    <p:notesMasterId r:id="rId19"/>
+    <p:notesMasterId r:id="rId31"/>
   </p:notesMasterIdLst>
   <p:sldIdLst>
     <p:sldId id="256" r:id="rId2"/>
@@ -25,6 +25,18 @@
     <p:sldId id="270" r:id="rId16"/>
     <p:sldId id="271" r:id="rId17"/>
     <p:sldId id="272" r:id="rId18"/>
+    <p:sldId id="273" r:id="rId19"/>
+    <p:sldId id="274" r:id="rId20"/>
+    <p:sldId id="275" r:id="rId21"/>
+    <p:sldId id="276" r:id="rId22"/>
+    <p:sldId id="277" r:id="rId23"/>
+    <p:sldId id="278" r:id="rId24"/>
+    <p:sldId id="279" r:id="rId25"/>
+    <p:sldId id="280" r:id="rId26"/>
+    <p:sldId id="281" r:id="rId27"/>
+    <p:sldId id="282" r:id="rId28"/>
+    <p:sldId id="283" r:id="rId29"/>
+    <p:sldId id="284" r:id="rId30"/>
   </p:sldIdLst>
   <p:sldSz cx="12192000" cy="6858000"/>
   <p:notesSz cx="6858000" cy="9144000"/>
@@ -213,7 +225,7 @@
           <a:p>
             <a:fld id="{7F59ECAF-9204-49EC-8529-262F9FE88223}" type="datetimeFigureOut">
               <a:rPr lang="en-US" smtClean="0"/>
-              <a:t>3/16/2016</a:t>
+              <a:t>3/17/2016</a:t>
             </a:fld>
             <a:endParaRPr lang="en-US"/>
           </a:p>
@@ -1171,6 +1183,258 @@
 </p:notes>
 </file>
 
+<file path=ppt/notesSlides/notesSlide17.xml><?xml version="1.0" encoding="utf-8"?>
+<p:notes xmlns:a="http://schemas.openxmlformats.org/drawingml/2006/main" xmlns:r="http://schemas.openxmlformats.org/officeDocument/2006/relationships" xmlns:p="http://schemas.openxmlformats.org/presentationml/2006/main">
+  <p:cSld>
+    <p:spTree>
+      <p:nvGrpSpPr>
+        <p:cNvPr id="1" name=""/>
+        <p:cNvGrpSpPr/>
+        <p:nvPr/>
+      </p:nvGrpSpPr>
+      <p:grpSpPr>
+        <a:xfrm>
+          <a:off x="0" y="0"/>
+          <a:ext cx="0" cy="0"/>
+          <a:chOff x="0" y="0"/>
+          <a:chExt cx="0" cy="0"/>
+        </a:xfrm>
+      </p:grpSpPr>
+      <p:sp>
+        <p:nvSpPr>
+          <p:cNvPr id="2" name="Slide Image Placeholder 1"/>
+          <p:cNvSpPr>
+            <a:spLocks noGrp="1" noRot="1" noChangeAspect="1"/>
+          </p:cNvSpPr>
+          <p:nvPr>
+            <p:ph type="sldImg"/>
+          </p:nvPr>
+        </p:nvSpPr>
+        <p:spPr/>
+      </p:sp>
+      <p:sp>
+        <p:nvSpPr>
+          <p:cNvPr id="3" name="Notes Placeholder 2"/>
+          <p:cNvSpPr>
+            <a:spLocks noGrp="1"/>
+          </p:cNvSpPr>
+          <p:nvPr>
+            <p:ph type="body" idx="1"/>
+          </p:nvPr>
+        </p:nvSpPr>
+        <p:spPr/>
+        <p:txBody>
+          <a:bodyPr/>
+          <a:lstStyle/>
+          <a:p>
+            <a:endParaRPr lang="en-US" dirty="0"/>
+          </a:p>
+        </p:txBody>
+      </p:sp>
+      <p:sp>
+        <p:nvSpPr>
+          <p:cNvPr id="4" name="Slide Number Placeholder 3"/>
+          <p:cNvSpPr>
+            <a:spLocks noGrp="1"/>
+          </p:cNvSpPr>
+          <p:nvPr>
+            <p:ph type="sldNum" sz="quarter" idx="10"/>
+          </p:nvPr>
+        </p:nvSpPr>
+        <p:spPr/>
+        <p:txBody>
+          <a:bodyPr/>
+          <a:lstStyle/>
+          <a:p>
+            <a:fld id="{300070EE-FEF5-4A53-92E1-B9B0204C207A}" type="slidenum">
+              <a:rPr lang="en-US" smtClean="0"/>
+              <a:t>18</a:t>
+            </a:fld>
+            <a:endParaRPr lang="en-US"/>
+          </a:p>
+        </p:txBody>
+      </p:sp>
+    </p:spTree>
+    <p:extLst>
+      <p:ext uri="{BB962C8B-B14F-4D97-AF65-F5344CB8AC3E}">
+        <p14:creationId xmlns:p14="http://schemas.microsoft.com/office/powerpoint/2010/main" val="2507974511"/>
+      </p:ext>
+    </p:extLst>
+  </p:cSld>
+  <p:clrMapOvr>
+    <a:masterClrMapping/>
+  </p:clrMapOvr>
+</p:notes>
+</file>
+
+<file path=ppt/notesSlides/notesSlide18.xml><?xml version="1.0" encoding="utf-8"?>
+<p:notes xmlns:a="http://schemas.openxmlformats.org/drawingml/2006/main" xmlns:r="http://schemas.openxmlformats.org/officeDocument/2006/relationships" xmlns:p="http://schemas.openxmlformats.org/presentationml/2006/main">
+  <p:cSld>
+    <p:spTree>
+      <p:nvGrpSpPr>
+        <p:cNvPr id="1" name=""/>
+        <p:cNvGrpSpPr/>
+        <p:nvPr/>
+      </p:nvGrpSpPr>
+      <p:grpSpPr>
+        <a:xfrm>
+          <a:off x="0" y="0"/>
+          <a:ext cx="0" cy="0"/>
+          <a:chOff x="0" y="0"/>
+          <a:chExt cx="0" cy="0"/>
+        </a:xfrm>
+      </p:grpSpPr>
+      <p:sp>
+        <p:nvSpPr>
+          <p:cNvPr id="2" name="Slide Image Placeholder 1"/>
+          <p:cNvSpPr>
+            <a:spLocks noGrp="1" noRot="1" noChangeAspect="1"/>
+          </p:cNvSpPr>
+          <p:nvPr>
+            <p:ph type="sldImg"/>
+          </p:nvPr>
+        </p:nvSpPr>
+        <p:spPr/>
+      </p:sp>
+      <p:sp>
+        <p:nvSpPr>
+          <p:cNvPr id="3" name="Notes Placeholder 2"/>
+          <p:cNvSpPr>
+            <a:spLocks noGrp="1"/>
+          </p:cNvSpPr>
+          <p:nvPr>
+            <p:ph type="body" idx="1"/>
+          </p:nvPr>
+        </p:nvSpPr>
+        <p:spPr/>
+        <p:txBody>
+          <a:bodyPr/>
+          <a:lstStyle/>
+          <a:p>
+            <a:endParaRPr lang="en-US" dirty="0"/>
+          </a:p>
+        </p:txBody>
+      </p:sp>
+      <p:sp>
+        <p:nvSpPr>
+          <p:cNvPr id="4" name="Slide Number Placeholder 3"/>
+          <p:cNvSpPr>
+            <a:spLocks noGrp="1"/>
+          </p:cNvSpPr>
+          <p:nvPr>
+            <p:ph type="sldNum" sz="quarter" idx="10"/>
+          </p:nvPr>
+        </p:nvSpPr>
+        <p:spPr/>
+        <p:txBody>
+          <a:bodyPr/>
+          <a:lstStyle/>
+          <a:p>
+            <a:fld id="{300070EE-FEF5-4A53-92E1-B9B0204C207A}" type="slidenum">
+              <a:rPr lang="en-US" smtClean="0"/>
+              <a:t>19</a:t>
+            </a:fld>
+            <a:endParaRPr lang="en-US"/>
+          </a:p>
+        </p:txBody>
+      </p:sp>
+    </p:spTree>
+    <p:extLst>
+      <p:ext uri="{BB962C8B-B14F-4D97-AF65-F5344CB8AC3E}">
+        <p14:creationId xmlns:p14="http://schemas.microsoft.com/office/powerpoint/2010/main" val="392864048"/>
+      </p:ext>
+    </p:extLst>
+  </p:cSld>
+  <p:clrMapOvr>
+    <a:masterClrMapping/>
+  </p:clrMapOvr>
+</p:notes>
+</file>
+
+<file path=ppt/notesSlides/notesSlide19.xml><?xml version="1.0" encoding="utf-8"?>
+<p:notes xmlns:a="http://schemas.openxmlformats.org/drawingml/2006/main" xmlns:r="http://schemas.openxmlformats.org/officeDocument/2006/relationships" xmlns:p="http://schemas.openxmlformats.org/presentationml/2006/main">
+  <p:cSld>
+    <p:spTree>
+      <p:nvGrpSpPr>
+        <p:cNvPr id="1" name=""/>
+        <p:cNvGrpSpPr/>
+        <p:nvPr/>
+      </p:nvGrpSpPr>
+      <p:grpSpPr>
+        <a:xfrm>
+          <a:off x="0" y="0"/>
+          <a:ext cx="0" cy="0"/>
+          <a:chOff x="0" y="0"/>
+          <a:chExt cx="0" cy="0"/>
+        </a:xfrm>
+      </p:grpSpPr>
+      <p:sp>
+        <p:nvSpPr>
+          <p:cNvPr id="2" name="Slide Image Placeholder 1"/>
+          <p:cNvSpPr>
+            <a:spLocks noGrp="1" noRot="1" noChangeAspect="1"/>
+          </p:cNvSpPr>
+          <p:nvPr>
+            <p:ph type="sldImg"/>
+          </p:nvPr>
+        </p:nvSpPr>
+        <p:spPr/>
+      </p:sp>
+      <p:sp>
+        <p:nvSpPr>
+          <p:cNvPr id="3" name="Notes Placeholder 2"/>
+          <p:cNvSpPr>
+            <a:spLocks noGrp="1"/>
+          </p:cNvSpPr>
+          <p:nvPr>
+            <p:ph type="body" idx="1"/>
+          </p:nvPr>
+        </p:nvSpPr>
+        <p:spPr/>
+        <p:txBody>
+          <a:bodyPr/>
+          <a:lstStyle/>
+          <a:p>
+            <a:endParaRPr lang="en-US" dirty="0"/>
+          </a:p>
+        </p:txBody>
+      </p:sp>
+      <p:sp>
+        <p:nvSpPr>
+          <p:cNvPr id="4" name="Slide Number Placeholder 3"/>
+          <p:cNvSpPr>
+            <a:spLocks noGrp="1"/>
+          </p:cNvSpPr>
+          <p:nvPr>
+            <p:ph type="sldNum" sz="quarter" idx="10"/>
+          </p:nvPr>
+        </p:nvSpPr>
+        <p:spPr/>
+        <p:txBody>
+          <a:bodyPr/>
+          <a:lstStyle/>
+          <a:p>
+            <a:fld id="{300070EE-FEF5-4A53-92E1-B9B0204C207A}" type="slidenum">
+              <a:rPr lang="en-US" smtClean="0"/>
+              <a:t>20</a:t>
+            </a:fld>
+            <a:endParaRPr lang="en-US"/>
+          </a:p>
+        </p:txBody>
+      </p:sp>
+    </p:spTree>
+    <p:extLst>
+      <p:ext uri="{BB962C8B-B14F-4D97-AF65-F5344CB8AC3E}">
+        <p14:creationId xmlns:p14="http://schemas.microsoft.com/office/powerpoint/2010/main" val="2219204192"/>
+      </p:ext>
+    </p:extLst>
+  </p:cSld>
+  <p:clrMapOvr>
+    <a:masterClrMapping/>
+  </p:clrMapOvr>
+</p:notes>
+</file>
+
 <file path=ppt/notesSlides/notesSlide2.xml><?xml version="1.0" encoding="utf-8"?>
 <p:notes xmlns:a="http://schemas.openxmlformats.org/drawingml/2006/main" xmlns:r="http://schemas.openxmlformats.org/officeDocument/2006/relationships" xmlns:p="http://schemas.openxmlformats.org/presentationml/2006/main">
   <p:cSld>
@@ -1264,6 +1528,762 @@
     <p:extLst>
       <p:ext uri="{BB962C8B-B14F-4D97-AF65-F5344CB8AC3E}">
         <p14:creationId xmlns:p14="http://schemas.microsoft.com/office/powerpoint/2010/main" val="91804738"/>
+      </p:ext>
+    </p:extLst>
+  </p:cSld>
+  <p:clrMapOvr>
+    <a:masterClrMapping/>
+  </p:clrMapOvr>
+</p:notes>
+</file>
+
+<file path=ppt/notesSlides/notesSlide20.xml><?xml version="1.0" encoding="utf-8"?>
+<p:notes xmlns:a="http://schemas.openxmlformats.org/drawingml/2006/main" xmlns:r="http://schemas.openxmlformats.org/officeDocument/2006/relationships" xmlns:p="http://schemas.openxmlformats.org/presentationml/2006/main">
+  <p:cSld>
+    <p:spTree>
+      <p:nvGrpSpPr>
+        <p:cNvPr id="1" name=""/>
+        <p:cNvGrpSpPr/>
+        <p:nvPr/>
+      </p:nvGrpSpPr>
+      <p:grpSpPr>
+        <a:xfrm>
+          <a:off x="0" y="0"/>
+          <a:ext cx="0" cy="0"/>
+          <a:chOff x="0" y="0"/>
+          <a:chExt cx="0" cy="0"/>
+        </a:xfrm>
+      </p:grpSpPr>
+      <p:sp>
+        <p:nvSpPr>
+          <p:cNvPr id="2" name="Slide Image Placeholder 1"/>
+          <p:cNvSpPr>
+            <a:spLocks noGrp="1" noRot="1" noChangeAspect="1"/>
+          </p:cNvSpPr>
+          <p:nvPr>
+            <p:ph type="sldImg"/>
+          </p:nvPr>
+        </p:nvSpPr>
+        <p:spPr/>
+      </p:sp>
+      <p:sp>
+        <p:nvSpPr>
+          <p:cNvPr id="3" name="Notes Placeholder 2"/>
+          <p:cNvSpPr>
+            <a:spLocks noGrp="1"/>
+          </p:cNvSpPr>
+          <p:nvPr>
+            <p:ph type="body" idx="1"/>
+          </p:nvPr>
+        </p:nvSpPr>
+        <p:spPr/>
+        <p:txBody>
+          <a:bodyPr/>
+          <a:lstStyle/>
+          <a:p>
+            <a:endParaRPr lang="en-US" dirty="0"/>
+          </a:p>
+        </p:txBody>
+      </p:sp>
+      <p:sp>
+        <p:nvSpPr>
+          <p:cNvPr id="4" name="Slide Number Placeholder 3"/>
+          <p:cNvSpPr>
+            <a:spLocks noGrp="1"/>
+          </p:cNvSpPr>
+          <p:nvPr>
+            <p:ph type="sldNum" sz="quarter" idx="10"/>
+          </p:nvPr>
+        </p:nvSpPr>
+        <p:spPr/>
+        <p:txBody>
+          <a:bodyPr/>
+          <a:lstStyle/>
+          <a:p>
+            <a:fld id="{300070EE-FEF5-4A53-92E1-B9B0204C207A}" type="slidenum">
+              <a:rPr lang="en-US" smtClean="0"/>
+              <a:t>21</a:t>
+            </a:fld>
+            <a:endParaRPr lang="en-US"/>
+          </a:p>
+        </p:txBody>
+      </p:sp>
+    </p:spTree>
+    <p:extLst>
+      <p:ext uri="{BB962C8B-B14F-4D97-AF65-F5344CB8AC3E}">
+        <p14:creationId xmlns:p14="http://schemas.microsoft.com/office/powerpoint/2010/main" val="2870063496"/>
+      </p:ext>
+    </p:extLst>
+  </p:cSld>
+  <p:clrMapOvr>
+    <a:masterClrMapping/>
+  </p:clrMapOvr>
+</p:notes>
+</file>
+
+<file path=ppt/notesSlides/notesSlide21.xml><?xml version="1.0" encoding="utf-8"?>
+<p:notes xmlns:a="http://schemas.openxmlformats.org/drawingml/2006/main" xmlns:r="http://schemas.openxmlformats.org/officeDocument/2006/relationships" xmlns:p="http://schemas.openxmlformats.org/presentationml/2006/main">
+  <p:cSld>
+    <p:spTree>
+      <p:nvGrpSpPr>
+        <p:cNvPr id="1" name=""/>
+        <p:cNvGrpSpPr/>
+        <p:nvPr/>
+      </p:nvGrpSpPr>
+      <p:grpSpPr>
+        <a:xfrm>
+          <a:off x="0" y="0"/>
+          <a:ext cx="0" cy="0"/>
+          <a:chOff x="0" y="0"/>
+          <a:chExt cx="0" cy="0"/>
+        </a:xfrm>
+      </p:grpSpPr>
+      <p:sp>
+        <p:nvSpPr>
+          <p:cNvPr id="2" name="Slide Image Placeholder 1"/>
+          <p:cNvSpPr>
+            <a:spLocks noGrp="1" noRot="1" noChangeAspect="1"/>
+          </p:cNvSpPr>
+          <p:nvPr>
+            <p:ph type="sldImg"/>
+          </p:nvPr>
+        </p:nvSpPr>
+        <p:spPr/>
+      </p:sp>
+      <p:sp>
+        <p:nvSpPr>
+          <p:cNvPr id="3" name="Notes Placeholder 2"/>
+          <p:cNvSpPr>
+            <a:spLocks noGrp="1"/>
+          </p:cNvSpPr>
+          <p:nvPr>
+            <p:ph type="body" idx="1"/>
+          </p:nvPr>
+        </p:nvSpPr>
+        <p:spPr/>
+        <p:txBody>
+          <a:bodyPr/>
+          <a:lstStyle/>
+          <a:p>
+            <a:endParaRPr lang="en-US" dirty="0"/>
+          </a:p>
+        </p:txBody>
+      </p:sp>
+      <p:sp>
+        <p:nvSpPr>
+          <p:cNvPr id="4" name="Slide Number Placeholder 3"/>
+          <p:cNvSpPr>
+            <a:spLocks noGrp="1"/>
+          </p:cNvSpPr>
+          <p:nvPr>
+            <p:ph type="sldNum" sz="quarter" idx="10"/>
+          </p:nvPr>
+        </p:nvSpPr>
+        <p:spPr/>
+        <p:txBody>
+          <a:bodyPr/>
+          <a:lstStyle/>
+          <a:p>
+            <a:fld id="{300070EE-FEF5-4A53-92E1-B9B0204C207A}" type="slidenum">
+              <a:rPr lang="en-US" smtClean="0"/>
+              <a:t>22</a:t>
+            </a:fld>
+            <a:endParaRPr lang="en-US"/>
+          </a:p>
+        </p:txBody>
+      </p:sp>
+    </p:spTree>
+    <p:extLst>
+      <p:ext uri="{BB962C8B-B14F-4D97-AF65-F5344CB8AC3E}">
+        <p14:creationId xmlns:p14="http://schemas.microsoft.com/office/powerpoint/2010/main" val="1770831848"/>
+      </p:ext>
+    </p:extLst>
+  </p:cSld>
+  <p:clrMapOvr>
+    <a:masterClrMapping/>
+  </p:clrMapOvr>
+</p:notes>
+</file>
+
+<file path=ppt/notesSlides/notesSlide22.xml><?xml version="1.0" encoding="utf-8"?>
+<p:notes xmlns:a="http://schemas.openxmlformats.org/drawingml/2006/main" xmlns:r="http://schemas.openxmlformats.org/officeDocument/2006/relationships" xmlns:p="http://schemas.openxmlformats.org/presentationml/2006/main">
+  <p:cSld>
+    <p:spTree>
+      <p:nvGrpSpPr>
+        <p:cNvPr id="1" name=""/>
+        <p:cNvGrpSpPr/>
+        <p:nvPr/>
+      </p:nvGrpSpPr>
+      <p:grpSpPr>
+        <a:xfrm>
+          <a:off x="0" y="0"/>
+          <a:ext cx="0" cy="0"/>
+          <a:chOff x="0" y="0"/>
+          <a:chExt cx="0" cy="0"/>
+        </a:xfrm>
+      </p:grpSpPr>
+      <p:sp>
+        <p:nvSpPr>
+          <p:cNvPr id="2" name="Slide Image Placeholder 1"/>
+          <p:cNvSpPr>
+            <a:spLocks noGrp="1" noRot="1" noChangeAspect="1"/>
+          </p:cNvSpPr>
+          <p:nvPr>
+            <p:ph type="sldImg"/>
+          </p:nvPr>
+        </p:nvSpPr>
+        <p:spPr/>
+      </p:sp>
+      <p:sp>
+        <p:nvSpPr>
+          <p:cNvPr id="3" name="Notes Placeholder 2"/>
+          <p:cNvSpPr>
+            <a:spLocks noGrp="1"/>
+          </p:cNvSpPr>
+          <p:nvPr>
+            <p:ph type="body" idx="1"/>
+          </p:nvPr>
+        </p:nvSpPr>
+        <p:spPr/>
+        <p:txBody>
+          <a:bodyPr/>
+          <a:lstStyle/>
+          <a:p>
+            <a:endParaRPr lang="en-US" dirty="0"/>
+          </a:p>
+        </p:txBody>
+      </p:sp>
+      <p:sp>
+        <p:nvSpPr>
+          <p:cNvPr id="4" name="Slide Number Placeholder 3"/>
+          <p:cNvSpPr>
+            <a:spLocks noGrp="1"/>
+          </p:cNvSpPr>
+          <p:nvPr>
+            <p:ph type="sldNum" sz="quarter" idx="10"/>
+          </p:nvPr>
+        </p:nvSpPr>
+        <p:spPr/>
+        <p:txBody>
+          <a:bodyPr/>
+          <a:lstStyle/>
+          <a:p>
+            <a:fld id="{300070EE-FEF5-4A53-92E1-B9B0204C207A}" type="slidenum">
+              <a:rPr lang="en-US" smtClean="0"/>
+              <a:t>23</a:t>
+            </a:fld>
+            <a:endParaRPr lang="en-US"/>
+          </a:p>
+        </p:txBody>
+      </p:sp>
+    </p:spTree>
+    <p:extLst>
+      <p:ext uri="{BB962C8B-B14F-4D97-AF65-F5344CB8AC3E}">
+        <p14:creationId xmlns:p14="http://schemas.microsoft.com/office/powerpoint/2010/main" val="2609072139"/>
+      </p:ext>
+    </p:extLst>
+  </p:cSld>
+  <p:clrMapOvr>
+    <a:masterClrMapping/>
+  </p:clrMapOvr>
+</p:notes>
+</file>
+
+<file path=ppt/notesSlides/notesSlide23.xml><?xml version="1.0" encoding="utf-8"?>
+<p:notes xmlns:a="http://schemas.openxmlformats.org/drawingml/2006/main" xmlns:r="http://schemas.openxmlformats.org/officeDocument/2006/relationships" xmlns:p="http://schemas.openxmlformats.org/presentationml/2006/main">
+  <p:cSld>
+    <p:spTree>
+      <p:nvGrpSpPr>
+        <p:cNvPr id="1" name=""/>
+        <p:cNvGrpSpPr/>
+        <p:nvPr/>
+      </p:nvGrpSpPr>
+      <p:grpSpPr>
+        <a:xfrm>
+          <a:off x="0" y="0"/>
+          <a:ext cx="0" cy="0"/>
+          <a:chOff x="0" y="0"/>
+          <a:chExt cx="0" cy="0"/>
+        </a:xfrm>
+      </p:grpSpPr>
+      <p:sp>
+        <p:nvSpPr>
+          <p:cNvPr id="2" name="Slide Image Placeholder 1"/>
+          <p:cNvSpPr>
+            <a:spLocks noGrp="1" noRot="1" noChangeAspect="1"/>
+          </p:cNvSpPr>
+          <p:nvPr>
+            <p:ph type="sldImg"/>
+          </p:nvPr>
+        </p:nvSpPr>
+        <p:spPr/>
+      </p:sp>
+      <p:sp>
+        <p:nvSpPr>
+          <p:cNvPr id="3" name="Notes Placeholder 2"/>
+          <p:cNvSpPr>
+            <a:spLocks noGrp="1"/>
+          </p:cNvSpPr>
+          <p:nvPr>
+            <p:ph type="body" idx="1"/>
+          </p:nvPr>
+        </p:nvSpPr>
+        <p:spPr/>
+        <p:txBody>
+          <a:bodyPr/>
+          <a:lstStyle/>
+          <a:p>
+            <a:endParaRPr lang="en-US" dirty="0"/>
+          </a:p>
+        </p:txBody>
+      </p:sp>
+      <p:sp>
+        <p:nvSpPr>
+          <p:cNvPr id="4" name="Slide Number Placeholder 3"/>
+          <p:cNvSpPr>
+            <a:spLocks noGrp="1"/>
+          </p:cNvSpPr>
+          <p:nvPr>
+            <p:ph type="sldNum" sz="quarter" idx="10"/>
+          </p:nvPr>
+        </p:nvSpPr>
+        <p:spPr/>
+        <p:txBody>
+          <a:bodyPr/>
+          <a:lstStyle/>
+          <a:p>
+            <a:fld id="{300070EE-FEF5-4A53-92E1-B9B0204C207A}" type="slidenum">
+              <a:rPr lang="en-US" smtClean="0"/>
+              <a:t>24</a:t>
+            </a:fld>
+            <a:endParaRPr lang="en-US"/>
+          </a:p>
+        </p:txBody>
+      </p:sp>
+    </p:spTree>
+    <p:extLst>
+      <p:ext uri="{BB962C8B-B14F-4D97-AF65-F5344CB8AC3E}">
+        <p14:creationId xmlns:p14="http://schemas.microsoft.com/office/powerpoint/2010/main" val="3276219350"/>
+      </p:ext>
+    </p:extLst>
+  </p:cSld>
+  <p:clrMapOvr>
+    <a:masterClrMapping/>
+  </p:clrMapOvr>
+</p:notes>
+</file>
+
+<file path=ppt/notesSlides/notesSlide24.xml><?xml version="1.0" encoding="utf-8"?>
+<p:notes xmlns:a="http://schemas.openxmlformats.org/drawingml/2006/main" xmlns:r="http://schemas.openxmlformats.org/officeDocument/2006/relationships" xmlns:p="http://schemas.openxmlformats.org/presentationml/2006/main">
+  <p:cSld>
+    <p:spTree>
+      <p:nvGrpSpPr>
+        <p:cNvPr id="1" name=""/>
+        <p:cNvGrpSpPr/>
+        <p:nvPr/>
+      </p:nvGrpSpPr>
+      <p:grpSpPr>
+        <a:xfrm>
+          <a:off x="0" y="0"/>
+          <a:ext cx="0" cy="0"/>
+          <a:chOff x="0" y="0"/>
+          <a:chExt cx="0" cy="0"/>
+        </a:xfrm>
+      </p:grpSpPr>
+      <p:sp>
+        <p:nvSpPr>
+          <p:cNvPr id="2" name="Slide Image Placeholder 1"/>
+          <p:cNvSpPr>
+            <a:spLocks noGrp="1" noRot="1" noChangeAspect="1"/>
+          </p:cNvSpPr>
+          <p:nvPr>
+            <p:ph type="sldImg"/>
+          </p:nvPr>
+        </p:nvSpPr>
+        <p:spPr/>
+      </p:sp>
+      <p:sp>
+        <p:nvSpPr>
+          <p:cNvPr id="3" name="Notes Placeholder 2"/>
+          <p:cNvSpPr>
+            <a:spLocks noGrp="1"/>
+          </p:cNvSpPr>
+          <p:nvPr>
+            <p:ph type="body" idx="1"/>
+          </p:nvPr>
+        </p:nvSpPr>
+        <p:spPr/>
+        <p:txBody>
+          <a:bodyPr/>
+          <a:lstStyle/>
+          <a:p>
+            <a:endParaRPr lang="en-US" dirty="0"/>
+          </a:p>
+        </p:txBody>
+      </p:sp>
+      <p:sp>
+        <p:nvSpPr>
+          <p:cNvPr id="4" name="Slide Number Placeholder 3"/>
+          <p:cNvSpPr>
+            <a:spLocks noGrp="1"/>
+          </p:cNvSpPr>
+          <p:nvPr>
+            <p:ph type="sldNum" sz="quarter" idx="10"/>
+          </p:nvPr>
+        </p:nvSpPr>
+        <p:spPr/>
+        <p:txBody>
+          <a:bodyPr/>
+          <a:lstStyle/>
+          <a:p>
+            <a:fld id="{300070EE-FEF5-4A53-92E1-B9B0204C207A}" type="slidenum">
+              <a:rPr lang="en-US" smtClean="0"/>
+              <a:t>25</a:t>
+            </a:fld>
+            <a:endParaRPr lang="en-US"/>
+          </a:p>
+        </p:txBody>
+      </p:sp>
+    </p:spTree>
+    <p:extLst>
+      <p:ext uri="{BB962C8B-B14F-4D97-AF65-F5344CB8AC3E}">
+        <p14:creationId xmlns:p14="http://schemas.microsoft.com/office/powerpoint/2010/main" val="3397588957"/>
+      </p:ext>
+    </p:extLst>
+  </p:cSld>
+  <p:clrMapOvr>
+    <a:masterClrMapping/>
+  </p:clrMapOvr>
+</p:notes>
+</file>
+
+<file path=ppt/notesSlides/notesSlide25.xml><?xml version="1.0" encoding="utf-8"?>
+<p:notes xmlns:a="http://schemas.openxmlformats.org/drawingml/2006/main" xmlns:r="http://schemas.openxmlformats.org/officeDocument/2006/relationships" xmlns:p="http://schemas.openxmlformats.org/presentationml/2006/main">
+  <p:cSld>
+    <p:spTree>
+      <p:nvGrpSpPr>
+        <p:cNvPr id="1" name=""/>
+        <p:cNvGrpSpPr/>
+        <p:nvPr/>
+      </p:nvGrpSpPr>
+      <p:grpSpPr>
+        <a:xfrm>
+          <a:off x="0" y="0"/>
+          <a:ext cx="0" cy="0"/>
+          <a:chOff x="0" y="0"/>
+          <a:chExt cx="0" cy="0"/>
+        </a:xfrm>
+      </p:grpSpPr>
+      <p:sp>
+        <p:nvSpPr>
+          <p:cNvPr id="2" name="Slide Image Placeholder 1"/>
+          <p:cNvSpPr>
+            <a:spLocks noGrp="1" noRot="1" noChangeAspect="1"/>
+          </p:cNvSpPr>
+          <p:nvPr>
+            <p:ph type="sldImg"/>
+          </p:nvPr>
+        </p:nvSpPr>
+        <p:spPr/>
+      </p:sp>
+      <p:sp>
+        <p:nvSpPr>
+          <p:cNvPr id="3" name="Notes Placeholder 2"/>
+          <p:cNvSpPr>
+            <a:spLocks noGrp="1"/>
+          </p:cNvSpPr>
+          <p:nvPr>
+            <p:ph type="body" idx="1"/>
+          </p:nvPr>
+        </p:nvSpPr>
+        <p:spPr/>
+        <p:txBody>
+          <a:bodyPr/>
+          <a:lstStyle/>
+          <a:p>
+            <a:endParaRPr lang="en-US" dirty="0"/>
+          </a:p>
+        </p:txBody>
+      </p:sp>
+      <p:sp>
+        <p:nvSpPr>
+          <p:cNvPr id="4" name="Slide Number Placeholder 3"/>
+          <p:cNvSpPr>
+            <a:spLocks noGrp="1"/>
+          </p:cNvSpPr>
+          <p:nvPr>
+            <p:ph type="sldNum" sz="quarter" idx="10"/>
+          </p:nvPr>
+        </p:nvSpPr>
+        <p:spPr/>
+        <p:txBody>
+          <a:bodyPr/>
+          <a:lstStyle/>
+          <a:p>
+            <a:fld id="{300070EE-FEF5-4A53-92E1-B9B0204C207A}" type="slidenum">
+              <a:rPr lang="en-US" smtClean="0"/>
+              <a:t>26</a:t>
+            </a:fld>
+            <a:endParaRPr lang="en-US"/>
+          </a:p>
+        </p:txBody>
+      </p:sp>
+    </p:spTree>
+    <p:extLst>
+      <p:ext uri="{BB962C8B-B14F-4D97-AF65-F5344CB8AC3E}">
+        <p14:creationId xmlns:p14="http://schemas.microsoft.com/office/powerpoint/2010/main" val="1882077213"/>
+      </p:ext>
+    </p:extLst>
+  </p:cSld>
+  <p:clrMapOvr>
+    <a:masterClrMapping/>
+  </p:clrMapOvr>
+</p:notes>
+</file>
+
+<file path=ppt/notesSlides/notesSlide26.xml><?xml version="1.0" encoding="utf-8"?>
+<p:notes xmlns:a="http://schemas.openxmlformats.org/drawingml/2006/main" xmlns:r="http://schemas.openxmlformats.org/officeDocument/2006/relationships" xmlns:p="http://schemas.openxmlformats.org/presentationml/2006/main">
+  <p:cSld>
+    <p:spTree>
+      <p:nvGrpSpPr>
+        <p:cNvPr id="1" name=""/>
+        <p:cNvGrpSpPr/>
+        <p:nvPr/>
+      </p:nvGrpSpPr>
+      <p:grpSpPr>
+        <a:xfrm>
+          <a:off x="0" y="0"/>
+          <a:ext cx="0" cy="0"/>
+          <a:chOff x="0" y="0"/>
+          <a:chExt cx="0" cy="0"/>
+        </a:xfrm>
+      </p:grpSpPr>
+      <p:sp>
+        <p:nvSpPr>
+          <p:cNvPr id="2" name="Slide Image Placeholder 1"/>
+          <p:cNvSpPr>
+            <a:spLocks noGrp="1" noRot="1" noChangeAspect="1"/>
+          </p:cNvSpPr>
+          <p:nvPr>
+            <p:ph type="sldImg"/>
+          </p:nvPr>
+        </p:nvSpPr>
+        <p:spPr/>
+      </p:sp>
+      <p:sp>
+        <p:nvSpPr>
+          <p:cNvPr id="3" name="Notes Placeholder 2"/>
+          <p:cNvSpPr>
+            <a:spLocks noGrp="1"/>
+          </p:cNvSpPr>
+          <p:nvPr>
+            <p:ph type="body" idx="1"/>
+          </p:nvPr>
+        </p:nvSpPr>
+        <p:spPr/>
+        <p:txBody>
+          <a:bodyPr/>
+          <a:lstStyle/>
+          <a:p>
+            <a:endParaRPr lang="en-US" dirty="0"/>
+          </a:p>
+        </p:txBody>
+      </p:sp>
+      <p:sp>
+        <p:nvSpPr>
+          <p:cNvPr id="4" name="Slide Number Placeholder 3"/>
+          <p:cNvSpPr>
+            <a:spLocks noGrp="1"/>
+          </p:cNvSpPr>
+          <p:nvPr>
+            <p:ph type="sldNum" sz="quarter" idx="10"/>
+          </p:nvPr>
+        </p:nvSpPr>
+        <p:spPr/>
+        <p:txBody>
+          <a:bodyPr/>
+          <a:lstStyle/>
+          <a:p>
+            <a:fld id="{300070EE-FEF5-4A53-92E1-B9B0204C207A}" type="slidenum">
+              <a:rPr lang="en-US" smtClean="0"/>
+              <a:t>27</a:t>
+            </a:fld>
+            <a:endParaRPr lang="en-US"/>
+          </a:p>
+        </p:txBody>
+      </p:sp>
+    </p:spTree>
+    <p:extLst>
+      <p:ext uri="{BB962C8B-B14F-4D97-AF65-F5344CB8AC3E}">
+        <p14:creationId xmlns:p14="http://schemas.microsoft.com/office/powerpoint/2010/main" val="3945195743"/>
+      </p:ext>
+    </p:extLst>
+  </p:cSld>
+  <p:clrMapOvr>
+    <a:masterClrMapping/>
+  </p:clrMapOvr>
+</p:notes>
+</file>
+
+<file path=ppt/notesSlides/notesSlide27.xml><?xml version="1.0" encoding="utf-8"?>
+<p:notes xmlns:a="http://schemas.openxmlformats.org/drawingml/2006/main" xmlns:r="http://schemas.openxmlformats.org/officeDocument/2006/relationships" xmlns:p="http://schemas.openxmlformats.org/presentationml/2006/main">
+  <p:cSld>
+    <p:spTree>
+      <p:nvGrpSpPr>
+        <p:cNvPr id="1" name=""/>
+        <p:cNvGrpSpPr/>
+        <p:nvPr/>
+      </p:nvGrpSpPr>
+      <p:grpSpPr>
+        <a:xfrm>
+          <a:off x="0" y="0"/>
+          <a:ext cx="0" cy="0"/>
+          <a:chOff x="0" y="0"/>
+          <a:chExt cx="0" cy="0"/>
+        </a:xfrm>
+      </p:grpSpPr>
+      <p:sp>
+        <p:nvSpPr>
+          <p:cNvPr id="2" name="Slide Image Placeholder 1"/>
+          <p:cNvSpPr>
+            <a:spLocks noGrp="1" noRot="1" noChangeAspect="1"/>
+          </p:cNvSpPr>
+          <p:nvPr>
+            <p:ph type="sldImg"/>
+          </p:nvPr>
+        </p:nvSpPr>
+        <p:spPr/>
+      </p:sp>
+      <p:sp>
+        <p:nvSpPr>
+          <p:cNvPr id="3" name="Notes Placeholder 2"/>
+          <p:cNvSpPr>
+            <a:spLocks noGrp="1"/>
+          </p:cNvSpPr>
+          <p:nvPr>
+            <p:ph type="body" idx="1"/>
+          </p:nvPr>
+        </p:nvSpPr>
+        <p:spPr/>
+        <p:txBody>
+          <a:bodyPr/>
+          <a:lstStyle/>
+          <a:p>
+            <a:endParaRPr lang="en-US" dirty="0"/>
+          </a:p>
+        </p:txBody>
+      </p:sp>
+      <p:sp>
+        <p:nvSpPr>
+          <p:cNvPr id="4" name="Slide Number Placeholder 3"/>
+          <p:cNvSpPr>
+            <a:spLocks noGrp="1"/>
+          </p:cNvSpPr>
+          <p:nvPr>
+            <p:ph type="sldNum" sz="quarter" idx="10"/>
+          </p:nvPr>
+        </p:nvSpPr>
+        <p:spPr/>
+        <p:txBody>
+          <a:bodyPr/>
+          <a:lstStyle/>
+          <a:p>
+            <a:fld id="{300070EE-FEF5-4A53-92E1-B9B0204C207A}" type="slidenum">
+              <a:rPr lang="en-US" smtClean="0"/>
+              <a:t>28</a:t>
+            </a:fld>
+            <a:endParaRPr lang="en-US"/>
+          </a:p>
+        </p:txBody>
+      </p:sp>
+    </p:spTree>
+    <p:extLst>
+      <p:ext uri="{BB962C8B-B14F-4D97-AF65-F5344CB8AC3E}">
+        <p14:creationId xmlns:p14="http://schemas.microsoft.com/office/powerpoint/2010/main" val="3227516354"/>
+      </p:ext>
+    </p:extLst>
+  </p:cSld>
+  <p:clrMapOvr>
+    <a:masterClrMapping/>
+  </p:clrMapOvr>
+</p:notes>
+</file>
+
+<file path=ppt/notesSlides/notesSlide28.xml><?xml version="1.0" encoding="utf-8"?>
+<p:notes xmlns:a="http://schemas.openxmlformats.org/drawingml/2006/main" xmlns:r="http://schemas.openxmlformats.org/officeDocument/2006/relationships" xmlns:p="http://schemas.openxmlformats.org/presentationml/2006/main">
+  <p:cSld>
+    <p:spTree>
+      <p:nvGrpSpPr>
+        <p:cNvPr id="1" name=""/>
+        <p:cNvGrpSpPr/>
+        <p:nvPr/>
+      </p:nvGrpSpPr>
+      <p:grpSpPr>
+        <a:xfrm>
+          <a:off x="0" y="0"/>
+          <a:ext cx="0" cy="0"/>
+          <a:chOff x="0" y="0"/>
+          <a:chExt cx="0" cy="0"/>
+        </a:xfrm>
+      </p:grpSpPr>
+      <p:sp>
+        <p:nvSpPr>
+          <p:cNvPr id="2" name="Slide Image Placeholder 1"/>
+          <p:cNvSpPr>
+            <a:spLocks noGrp="1" noRot="1" noChangeAspect="1"/>
+          </p:cNvSpPr>
+          <p:nvPr>
+            <p:ph type="sldImg"/>
+          </p:nvPr>
+        </p:nvSpPr>
+        <p:spPr/>
+      </p:sp>
+      <p:sp>
+        <p:nvSpPr>
+          <p:cNvPr id="3" name="Notes Placeholder 2"/>
+          <p:cNvSpPr>
+            <a:spLocks noGrp="1"/>
+          </p:cNvSpPr>
+          <p:nvPr>
+            <p:ph type="body" idx="1"/>
+          </p:nvPr>
+        </p:nvSpPr>
+        <p:spPr/>
+        <p:txBody>
+          <a:bodyPr/>
+          <a:lstStyle/>
+          <a:p>
+            <a:endParaRPr lang="en-US" dirty="0"/>
+          </a:p>
+        </p:txBody>
+      </p:sp>
+      <p:sp>
+        <p:nvSpPr>
+          <p:cNvPr id="4" name="Slide Number Placeholder 3"/>
+          <p:cNvSpPr>
+            <a:spLocks noGrp="1"/>
+          </p:cNvSpPr>
+          <p:nvPr>
+            <p:ph type="sldNum" sz="quarter" idx="10"/>
+          </p:nvPr>
+        </p:nvSpPr>
+        <p:spPr/>
+        <p:txBody>
+          <a:bodyPr/>
+          <a:lstStyle/>
+          <a:p>
+            <a:fld id="{300070EE-FEF5-4A53-92E1-B9B0204C207A}" type="slidenum">
+              <a:rPr lang="en-US" smtClean="0"/>
+              <a:t>29</a:t>
+            </a:fld>
+            <a:endParaRPr lang="en-US"/>
+          </a:p>
+        </p:txBody>
+      </p:sp>
+    </p:spTree>
+    <p:extLst>
+      <p:ext uri="{BB962C8B-B14F-4D97-AF65-F5344CB8AC3E}">
+        <p14:creationId xmlns:p14="http://schemas.microsoft.com/office/powerpoint/2010/main" val="761190420"/>
       </p:ext>
     </p:extLst>
   </p:cSld>
@@ -2118,7 +3138,7 @@
           <a:p>
             <a:fld id="{B5E240B9-DACE-479F-996F-EDA62489C86A}" type="datetimeFigureOut">
               <a:rPr lang="en-US" smtClean="0"/>
-              <a:t>3/16/2016</a:t>
+              <a:t>3/17/2016</a:t>
             </a:fld>
             <a:endParaRPr lang="en-US"/>
           </a:p>
@@ -2288,7 +3308,7 @@
           <a:p>
             <a:fld id="{B5E240B9-DACE-479F-996F-EDA62489C86A}" type="datetimeFigureOut">
               <a:rPr lang="en-US" smtClean="0"/>
-              <a:t>3/16/2016</a:t>
+              <a:t>3/17/2016</a:t>
             </a:fld>
             <a:endParaRPr lang="en-US"/>
           </a:p>
@@ -2468,7 +3488,7 @@
           <a:p>
             <a:fld id="{B5E240B9-DACE-479F-996F-EDA62489C86A}" type="datetimeFigureOut">
               <a:rPr lang="en-US" smtClean="0"/>
-              <a:t>3/16/2016</a:t>
+              <a:t>3/17/2016</a:t>
             </a:fld>
             <a:endParaRPr lang="en-US"/>
           </a:p>
@@ -2638,7 +3658,7 @@
           <a:p>
             <a:fld id="{B5E240B9-DACE-479F-996F-EDA62489C86A}" type="datetimeFigureOut">
               <a:rPr lang="en-US" smtClean="0"/>
-              <a:t>3/16/2016</a:t>
+              <a:t>3/17/2016</a:t>
             </a:fld>
             <a:endParaRPr lang="en-US"/>
           </a:p>
@@ -2884,7 +3904,7 @@
           <a:p>
             <a:fld id="{B5E240B9-DACE-479F-996F-EDA62489C86A}" type="datetimeFigureOut">
               <a:rPr lang="en-US" smtClean="0"/>
-              <a:t>3/16/2016</a:t>
+              <a:t>3/17/2016</a:t>
             </a:fld>
             <a:endParaRPr lang="en-US"/>
           </a:p>
@@ -3116,7 +4136,7 @@
           <a:p>
             <a:fld id="{B5E240B9-DACE-479F-996F-EDA62489C86A}" type="datetimeFigureOut">
               <a:rPr lang="en-US" smtClean="0"/>
-              <a:t>3/16/2016</a:t>
+              <a:t>3/17/2016</a:t>
             </a:fld>
             <a:endParaRPr lang="en-US"/>
           </a:p>
@@ -3483,7 +4503,7 @@
           <a:p>
             <a:fld id="{B5E240B9-DACE-479F-996F-EDA62489C86A}" type="datetimeFigureOut">
               <a:rPr lang="en-US" smtClean="0"/>
-              <a:t>3/16/2016</a:t>
+              <a:t>3/17/2016</a:t>
             </a:fld>
             <a:endParaRPr lang="en-US"/>
           </a:p>
@@ -3601,7 +4621,7 @@
           <a:p>
             <a:fld id="{B5E240B9-DACE-479F-996F-EDA62489C86A}" type="datetimeFigureOut">
               <a:rPr lang="en-US" smtClean="0"/>
-              <a:t>3/16/2016</a:t>
+              <a:t>3/17/2016</a:t>
             </a:fld>
             <a:endParaRPr lang="en-US"/>
           </a:p>
@@ -3696,7 +4716,7 @@
           <a:p>
             <a:fld id="{B5E240B9-DACE-479F-996F-EDA62489C86A}" type="datetimeFigureOut">
               <a:rPr lang="en-US" smtClean="0"/>
-              <a:t>3/16/2016</a:t>
+              <a:t>3/17/2016</a:t>
             </a:fld>
             <a:endParaRPr lang="en-US"/>
           </a:p>
@@ -3973,7 +4993,7 @@
           <a:p>
             <a:fld id="{B5E240B9-DACE-479F-996F-EDA62489C86A}" type="datetimeFigureOut">
               <a:rPr lang="en-US" smtClean="0"/>
-              <a:t>3/16/2016</a:t>
+              <a:t>3/17/2016</a:t>
             </a:fld>
             <a:endParaRPr lang="en-US"/>
           </a:p>
@@ -4226,7 +5246,7 @@
           <a:p>
             <a:fld id="{B5E240B9-DACE-479F-996F-EDA62489C86A}" type="datetimeFigureOut">
               <a:rPr lang="en-US" smtClean="0"/>
-              <a:t>3/16/2016</a:t>
+              <a:t>3/17/2016</a:t>
             </a:fld>
             <a:endParaRPr lang="en-US"/>
           </a:p>
@@ -4439,7 +5459,7 @@
           <a:p>
             <a:fld id="{B5E240B9-DACE-479F-996F-EDA62489C86A}" type="datetimeFigureOut">
               <a:rPr lang="en-US" smtClean="0"/>
-              <a:t>3/16/2016</a:t>
+              <a:t>3/17/2016</a:t>
             </a:fld>
             <a:endParaRPr lang="en-US"/>
           </a:p>
@@ -5026,11 +6046,7 @@
           <a:p>
             <a:r>
               <a:rPr lang="en-US" dirty="0" smtClean="0"/>
-              <a:t>DESCRIBE EXTENDED employee</a:t>
-            </a:r>
-            <a:r>
-              <a:rPr lang="en-US" dirty="0" smtClean="0"/>
-              <a:t>; to see details about the table.</a:t>
+              <a:t>DESCRIBE EXTENDED employee; to see details about the table.</a:t>
             </a:r>
           </a:p>
           <a:p>
@@ -5144,11 +6160,7 @@
             </a:r>
             <a:r>
               <a:rPr lang="en-US" dirty="0" smtClean="0"/>
-              <a:t> – DDL </a:t>
-            </a:r>
-            <a:r>
-              <a:rPr lang="en-US" dirty="0" smtClean="0"/>
-              <a:t>– Tables  - MANAGED vs EXTERNAL</a:t>
+              <a:t> – DDL – Tables  - MANAGED vs EXTERNAL</a:t>
             </a:r>
             <a:endParaRPr lang="en-US" dirty="0"/>
           </a:p>
@@ -5347,11 +6359,7 @@
             </a:r>
             <a:r>
               <a:rPr lang="en-US" dirty="0" smtClean="0"/>
-              <a:t> – DDL </a:t>
-            </a:r>
-            <a:r>
-              <a:rPr lang="en-US" dirty="0" smtClean="0"/>
-              <a:t>– Tables  - MANAGED vs EXTERNAL</a:t>
+              <a:t> – DDL – Tables  - MANAGED vs EXTERNAL</a:t>
             </a:r>
             <a:endParaRPr lang="en-US" dirty="0"/>
           </a:p>
@@ -5571,11 +6579,7 @@
             </a:r>
             <a:r>
               <a:rPr lang="en-US" dirty="0" smtClean="0"/>
-              <a:t> – DDL </a:t>
-            </a:r>
-            <a:r>
-              <a:rPr lang="en-US" dirty="0" smtClean="0"/>
-              <a:t>– Tables  - MANAGED vs EXTERNAL</a:t>
+              <a:t> – DDL – Tables  - MANAGED vs EXTERNAL</a:t>
             </a:r>
             <a:endParaRPr lang="en-US" dirty="0"/>
           </a:p>
@@ -5759,11 +6763,7 @@
             </a:r>
             <a:r>
               <a:rPr lang="en-US" dirty="0" smtClean="0"/>
-              <a:t> – DDL </a:t>
-            </a:r>
-            <a:r>
-              <a:rPr lang="en-US" dirty="0" smtClean="0"/>
-              <a:t>– Partitioning Tables[Managed &amp; External]</a:t>
+              <a:t> – DDL – Partitioning Tables[Managed &amp; External]</a:t>
             </a:r>
             <a:endParaRPr lang="en-US" dirty="0"/>
           </a:p>
@@ -5975,7 +6975,6 @@
               <a:rPr lang="en-US" dirty="0"/>
               <a:t>.../employees/country=US/state=AK</a:t>
             </a:r>
-            <a:endParaRPr lang="en-US" dirty="0"/>
           </a:p>
         </p:txBody>
       </p:sp>
@@ -6044,11 +7043,7 @@
             </a:r>
             <a:r>
               <a:rPr lang="en-US" dirty="0" smtClean="0"/>
-              <a:t> – DDL </a:t>
-            </a:r>
-            <a:r>
-              <a:rPr lang="en-US" dirty="0" smtClean="0"/>
-              <a:t>– Partitioning Tables[Managed &amp; External]</a:t>
+              <a:t> – DDL – Partitioning Tables[Managed &amp; External]</a:t>
             </a:r>
             <a:endParaRPr lang="en-US" dirty="0"/>
           </a:p>
@@ -6310,11 +7305,7 @@
             </a:r>
             <a:r>
               <a:rPr lang="en-US" dirty="0" smtClean="0"/>
-              <a:t> – DDL </a:t>
-            </a:r>
-            <a:r>
-              <a:rPr lang="en-US" dirty="0" smtClean="0"/>
-              <a:t>– Partitioning Tables[Managed &amp; External]</a:t>
+              <a:t> – DDL – Partitioning Tables[Managed &amp; External]</a:t>
             </a:r>
             <a:endParaRPr lang="en-US" dirty="0"/>
           </a:p>
@@ -6558,7 +7549,6 @@
               <a:rPr lang="en-US" dirty="0"/>
               <a:t>will be copied into it.</a:t>
             </a:r>
-            <a:endParaRPr lang="en-US" dirty="0"/>
           </a:p>
         </p:txBody>
       </p:sp>
@@ -6627,11 +7617,7 @@
             </a:r>
             <a:r>
               <a:rPr lang="en-US" dirty="0" smtClean="0"/>
-              <a:t> – DDL </a:t>
-            </a:r>
-            <a:r>
-              <a:rPr lang="en-US" dirty="0" smtClean="0"/>
-              <a:t>– Partitioning Tables[Managed &amp; External]</a:t>
+              <a:t> – DDL – Partitioning Tables[Managed &amp; External]</a:t>
             </a:r>
             <a:endParaRPr lang="en-US" dirty="0"/>
           </a:p>
@@ -6839,7 +7825,6 @@
               <a:rPr lang="en-US" dirty="0"/>
               <a:t>'\t';</a:t>
             </a:r>
-            <a:endParaRPr lang="en-US" dirty="0"/>
           </a:p>
           <a:p>
             <a:pPr lvl="1"/>
@@ -6866,12 +7851,43 @@
           <a:p>
             <a:pPr lvl="1"/>
             <a:r>
+              <a:rPr lang="en-US" dirty="0" smtClean="0"/>
+              <a:t>We now need to use ALTER </a:t>
+            </a:r>
+            <a:r>
+              <a:rPr lang="en-US" sz="2000" dirty="0" smtClean="0"/>
+              <a:t>TABLE </a:t>
+            </a:r>
+            <a:r>
+              <a:rPr lang="en-US" dirty="0"/>
+              <a:t>statement is used to add </a:t>
+            </a:r>
+            <a:r>
+              <a:rPr lang="en-US" i="1" dirty="0"/>
+              <a:t>each </a:t>
+            </a:r>
+            <a:r>
+              <a:rPr lang="en-US" dirty="0"/>
+              <a:t>partition separately</a:t>
+            </a:r>
+            <a:r>
+              <a:rPr lang="en-US" dirty="0" smtClean="0"/>
+              <a:t>.</a:t>
+            </a:r>
+          </a:p>
+          <a:p>
+            <a:pPr lvl="1"/>
+            <a:r>
+              <a:rPr lang="en-US" dirty="0" smtClean="0"/>
+              <a:t>This Alter table </a:t>
+            </a:r>
+            <a:r>
               <a:rPr lang="en-US" dirty="0" err="1" smtClean="0"/>
-              <a:t>Pg</a:t>
-            </a:r>
-            <a:r>
-              <a:rPr lang="en-US" smtClean="0"/>
-              <a:t> 61.</a:t>
+              <a:t>stmt</a:t>
+            </a:r>
+            <a:r>
+              <a:rPr lang="en-US" dirty="0" smtClean="0"/>
+              <a:t> must specify a value for each partition key, year, month and day.</a:t>
             </a:r>
             <a:endParaRPr lang="en-US" dirty="0"/>
           </a:p>
@@ -6881,6 +7897,872 @@
     <p:extLst>
       <p:ext uri="{BB962C8B-B14F-4D97-AF65-F5344CB8AC3E}">
         <p14:creationId xmlns:p14="http://schemas.microsoft.com/office/powerpoint/2010/main" val="1969861145"/>
+      </p:ext>
+    </p:extLst>
+  </p:cSld>
+  <p:clrMapOvr>
+    <a:masterClrMapping/>
+  </p:clrMapOvr>
+  <p:timing>
+    <p:tnLst>
+      <p:par>
+        <p:cTn id="1" dur="indefinite" restart="never" nodeType="tmRoot"/>
+      </p:par>
+    </p:tnLst>
+  </p:timing>
+</p:sld>
+</file>
+
+<file path=ppt/slides/slide18.xml><?xml version="1.0" encoding="utf-8"?>
+<p:sld xmlns:a="http://schemas.openxmlformats.org/drawingml/2006/main" xmlns:r="http://schemas.openxmlformats.org/officeDocument/2006/relationships" xmlns:p="http://schemas.openxmlformats.org/presentationml/2006/main">
+  <p:cSld>
+    <p:spTree>
+      <p:nvGrpSpPr>
+        <p:cNvPr id="1" name=""/>
+        <p:cNvGrpSpPr/>
+        <p:nvPr/>
+      </p:nvGrpSpPr>
+      <p:grpSpPr>
+        <a:xfrm>
+          <a:off x="0" y="0"/>
+          <a:ext cx="0" cy="0"/>
+          <a:chOff x="0" y="0"/>
+          <a:chExt cx="0" cy="0"/>
+        </a:xfrm>
+      </p:grpSpPr>
+      <p:sp>
+        <p:nvSpPr>
+          <p:cNvPr id="2" name="Title 1"/>
+          <p:cNvSpPr>
+            <a:spLocks noGrp="1"/>
+          </p:cNvSpPr>
+          <p:nvPr>
+            <p:ph type="title"/>
+          </p:nvPr>
+        </p:nvSpPr>
+        <p:spPr>
+          <a:xfrm>
+            <a:off x="0" y="1"/>
+            <a:ext cx="12192000" cy="791570"/>
+          </a:xfrm>
+        </p:spPr>
+        <p:txBody>
+          <a:bodyPr>
+            <a:normAutofit fontScale="90000"/>
+          </a:bodyPr>
+          <a:lstStyle/>
+          <a:p>
+            <a:r>
+              <a:rPr lang="en-US" dirty="0" err="1" smtClean="0"/>
+              <a:t>HiveQL</a:t>
+            </a:r>
+            <a:r>
+              <a:rPr lang="en-US" dirty="0" smtClean="0"/>
+              <a:t> – DDL – Partitioning Tables[Managed &amp; External]</a:t>
+            </a:r>
+            <a:endParaRPr lang="en-US" dirty="0"/>
+          </a:p>
+        </p:txBody>
+      </p:sp>
+      <p:sp>
+        <p:nvSpPr>
+          <p:cNvPr id="3" name="Content Placeholder 2"/>
+          <p:cNvSpPr>
+            <a:spLocks noGrp="1"/>
+          </p:cNvSpPr>
+          <p:nvPr>
+            <p:ph idx="1"/>
+          </p:nvPr>
+        </p:nvSpPr>
+        <p:spPr>
+          <a:xfrm>
+            <a:off x="590550" y="791570"/>
+            <a:ext cx="11601450" cy="6066430"/>
+          </a:xfrm>
+        </p:spPr>
+        <p:txBody>
+          <a:bodyPr>
+            <a:normAutofit/>
+          </a:bodyPr>
+          <a:lstStyle/>
+          <a:p>
+            <a:pPr lvl="1"/>
+            <a:r>
+              <a:rPr lang="en-US" dirty="0" err="1" smtClean="0"/>
+              <a:t>E.g</a:t>
+            </a:r>
+            <a:r>
+              <a:rPr lang="en-US" dirty="0" smtClean="0"/>
+              <a:t> to add </a:t>
+            </a:r>
+            <a:r>
+              <a:rPr lang="en-US" dirty="0"/>
+              <a:t>a partition for </a:t>
+            </a:r>
+            <a:r>
+              <a:rPr lang="en-US" dirty="0" smtClean="0"/>
+              <a:t>March 10</a:t>
+            </a:r>
+            <a:r>
+              <a:rPr lang="en-US" baseline="30000" dirty="0" smtClean="0"/>
+              <a:t>th</a:t>
+            </a:r>
+            <a:r>
+              <a:rPr lang="en-US" dirty="0" smtClean="0"/>
+              <a:t> 2016,</a:t>
+            </a:r>
+            <a:endParaRPr lang="en-US" dirty="0"/>
+          </a:p>
+          <a:p>
+            <a:pPr lvl="1"/>
+            <a:r>
+              <a:rPr lang="en-US" b="1" dirty="0"/>
+              <a:t>ALTER TABLE </a:t>
+            </a:r>
+            <a:r>
+              <a:rPr lang="en-US" dirty="0" err="1"/>
+              <a:t>log_messages</a:t>
+            </a:r>
+            <a:r>
+              <a:rPr lang="en-US" dirty="0"/>
+              <a:t> </a:t>
+            </a:r>
+            <a:r>
+              <a:rPr lang="en-US" b="1" dirty="0"/>
+              <a:t>ADD </a:t>
+            </a:r>
+            <a:r>
+              <a:rPr lang="en-US" dirty="0"/>
+              <a:t>PARTITION(</a:t>
+            </a:r>
+            <a:r>
+              <a:rPr lang="en-US" b="1" dirty="0"/>
+              <a:t>year </a:t>
+            </a:r>
+            <a:r>
+              <a:rPr lang="en-US" dirty="0"/>
+              <a:t>= </a:t>
+            </a:r>
+            <a:r>
+              <a:rPr lang="en-US" dirty="0" smtClean="0"/>
+              <a:t>2016, </a:t>
+            </a:r>
+            <a:r>
+              <a:rPr lang="en-US" b="1" dirty="0"/>
+              <a:t>month </a:t>
+            </a:r>
+            <a:r>
+              <a:rPr lang="en-US" dirty="0"/>
+              <a:t>= </a:t>
+            </a:r>
+            <a:r>
+              <a:rPr lang="en-US" dirty="0" smtClean="0"/>
+              <a:t>3, </a:t>
+            </a:r>
+            <a:r>
+              <a:rPr lang="en-US" b="1" dirty="0"/>
+              <a:t>day </a:t>
+            </a:r>
+            <a:r>
+              <a:rPr lang="en-US" dirty="0"/>
+              <a:t>= </a:t>
+            </a:r>
+            <a:r>
+              <a:rPr lang="en-US" dirty="0" smtClean="0"/>
+              <a:t>10)</a:t>
+            </a:r>
+            <a:endParaRPr lang="en-US" dirty="0"/>
+          </a:p>
+          <a:p>
+            <a:pPr lvl="1"/>
+            <a:r>
+              <a:rPr lang="en-US" b="1" dirty="0"/>
+              <a:t>LOCATION </a:t>
+            </a:r>
+            <a:r>
+              <a:rPr lang="en-US" dirty="0"/>
+              <a:t>'</a:t>
+            </a:r>
+            <a:r>
+              <a:rPr lang="en-US" dirty="0" err="1"/>
+              <a:t>hdfs</a:t>
+            </a:r>
+            <a:r>
+              <a:rPr lang="en-US" dirty="0"/>
+              <a:t>://</a:t>
+            </a:r>
+            <a:r>
+              <a:rPr lang="en-US" dirty="0" err="1"/>
+              <a:t>master_server</a:t>
+            </a:r>
+            <a:r>
+              <a:rPr lang="en-US" dirty="0"/>
+              <a:t>/data/</a:t>
+            </a:r>
+            <a:r>
+              <a:rPr lang="en-US" dirty="0" err="1"/>
+              <a:t>log_messages</a:t>
+            </a:r>
+            <a:r>
+              <a:rPr lang="en-US" dirty="0"/>
+              <a:t>/2012/01/02</a:t>
+            </a:r>
+            <a:r>
+              <a:rPr lang="en-US" dirty="0" smtClean="0"/>
+              <a:t>';</a:t>
+            </a:r>
+          </a:p>
+          <a:p>
+            <a:pPr lvl="1"/>
+            <a:r>
+              <a:rPr lang="en-US" dirty="0" smtClean="0"/>
+              <a:t>IMP advantage of this adding data (using this location )is that we can archive old data on inexpensive storage like Amazon s3, while keeping newer and more interesting, hot data in HDFS.</a:t>
+            </a:r>
+          </a:p>
+          <a:p>
+            <a:pPr lvl="1"/>
+            <a:endParaRPr lang="en-US" dirty="0" smtClean="0"/>
+          </a:p>
+          <a:p>
+            <a:pPr lvl="1"/>
+            <a:r>
+              <a:rPr lang="en-US" dirty="0" err="1" smtClean="0"/>
+              <a:t>E.g</a:t>
+            </a:r>
+            <a:r>
+              <a:rPr lang="en-US" dirty="0" smtClean="0"/>
+              <a:t>  copy the data for partition that you want to move to s3. We can use </a:t>
+            </a:r>
+            <a:r>
+              <a:rPr lang="en-US" dirty="0" err="1" smtClean="0"/>
+              <a:t>distcp</a:t>
+            </a:r>
+            <a:r>
+              <a:rPr lang="en-US" dirty="0" smtClean="0"/>
+              <a:t> for faster copy, which uses parallel copying using no of mappers.</a:t>
+            </a:r>
+          </a:p>
+          <a:p>
+            <a:pPr lvl="1"/>
+            <a:r>
+              <a:rPr lang="en-US" dirty="0" err="1"/>
+              <a:t>hadoop</a:t>
+            </a:r>
+            <a:r>
+              <a:rPr lang="en-US" dirty="0"/>
+              <a:t> </a:t>
+            </a:r>
+            <a:r>
+              <a:rPr lang="en-US" dirty="0" err="1"/>
+              <a:t>distcp</a:t>
+            </a:r>
+            <a:r>
+              <a:rPr lang="en-US" dirty="0"/>
+              <a:t> /data/</a:t>
+            </a:r>
+            <a:r>
+              <a:rPr lang="en-US" dirty="0" err="1"/>
+              <a:t>log_messages</a:t>
+            </a:r>
+            <a:r>
+              <a:rPr lang="en-US" dirty="0"/>
+              <a:t>/2011/12/02 s3n://</a:t>
+            </a:r>
+            <a:r>
+              <a:rPr lang="en-US" dirty="0" smtClean="0"/>
+              <a:t>ourbucket/logs/2011/12/02</a:t>
+            </a:r>
+          </a:p>
+          <a:p>
+            <a:pPr lvl="1"/>
+            <a:r>
+              <a:rPr lang="en-US" dirty="0"/>
+              <a:t>Alter the table to point the partition to the S3 location:</a:t>
+            </a:r>
+          </a:p>
+          <a:p>
+            <a:pPr lvl="1"/>
+            <a:r>
+              <a:rPr lang="en-US" b="1" dirty="0"/>
+              <a:t>ALTER TABLE </a:t>
+            </a:r>
+            <a:r>
+              <a:rPr lang="en-US" dirty="0" err="1"/>
+              <a:t>log_messages</a:t>
+            </a:r>
+            <a:r>
+              <a:rPr lang="en-US" dirty="0"/>
+              <a:t> PARTITION(</a:t>
+            </a:r>
+            <a:r>
+              <a:rPr lang="en-US" b="1" dirty="0"/>
+              <a:t>year </a:t>
+            </a:r>
+            <a:r>
+              <a:rPr lang="en-US" dirty="0"/>
+              <a:t>= 2011, </a:t>
+            </a:r>
+            <a:r>
+              <a:rPr lang="en-US" b="1" dirty="0"/>
+              <a:t>month </a:t>
+            </a:r>
+            <a:r>
+              <a:rPr lang="en-US" dirty="0"/>
+              <a:t>= 12, </a:t>
+            </a:r>
+            <a:r>
+              <a:rPr lang="en-US" b="1" dirty="0"/>
+              <a:t>day </a:t>
+            </a:r>
+            <a:r>
+              <a:rPr lang="en-US" dirty="0"/>
+              <a:t>= 2)</a:t>
+            </a:r>
+          </a:p>
+          <a:p>
+            <a:pPr lvl="1"/>
+            <a:r>
+              <a:rPr lang="en-US" b="1" dirty="0"/>
+              <a:t>SET LOCATION </a:t>
+            </a:r>
+            <a:r>
+              <a:rPr lang="en-US" dirty="0"/>
+              <a:t>'s3n://</a:t>
+            </a:r>
+            <a:r>
+              <a:rPr lang="en-US" dirty="0" err="1"/>
+              <a:t>ourbucket</a:t>
+            </a:r>
+            <a:r>
+              <a:rPr lang="en-US" dirty="0"/>
+              <a:t>/logs/2011/01/02</a:t>
+            </a:r>
+            <a:r>
+              <a:rPr lang="en-US" dirty="0" smtClean="0"/>
+              <a:t>';</a:t>
+            </a:r>
+          </a:p>
+          <a:p>
+            <a:pPr lvl="1"/>
+            <a:r>
+              <a:rPr lang="en-US" dirty="0"/>
+              <a:t>Remove the HDFS copy of the partition using the </a:t>
+            </a:r>
+            <a:r>
+              <a:rPr lang="en-US" sz="2000" dirty="0" err="1"/>
+              <a:t>hadoop</a:t>
+            </a:r>
+            <a:r>
+              <a:rPr lang="en-US" sz="2000" dirty="0"/>
+              <a:t> fs -</a:t>
+            </a:r>
+            <a:r>
+              <a:rPr lang="en-US" sz="2000" dirty="0" err="1"/>
+              <a:t>rmr</a:t>
+            </a:r>
+            <a:r>
+              <a:rPr lang="en-US" sz="2000" dirty="0"/>
+              <a:t> </a:t>
+            </a:r>
+            <a:r>
+              <a:rPr lang="en-US" dirty="0"/>
+              <a:t>command:</a:t>
+            </a:r>
+          </a:p>
+          <a:p>
+            <a:pPr lvl="1"/>
+            <a:r>
+              <a:rPr lang="en-US" dirty="0" err="1"/>
+              <a:t>hadoop</a:t>
+            </a:r>
+            <a:r>
+              <a:rPr lang="en-US" dirty="0"/>
+              <a:t> fs -</a:t>
+            </a:r>
+            <a:r>
+              <a:rPr lang="en-US" dirty="0" err="1"/>
+              <a:t>rmr</a:t>
+            </a:r>
+            <a:r>
+              <a:rPr lang="en-US" dirty="0"/>
+              <a:t> /data/</a:t>
+            </a:r>
+            <a:r>
+              <a:rPr lang="en-US" dirty="0" err="1"/>
+              <a:t>log_messages</a:t>
+            </a:r>
+            <a:r>
+              <a:rPr lang="en-US" dirty="0"/>
+              <a:t>/2011/01/02</a:t>
+            </a:r>
+          </a:p>
+        </p:txBody>
+      </p:sp>
+    </p:spTree>
+    <p:extLst>
+      <p:ext uri="{BB962C8B-B14F-4D97-AF65-F5344CB8AC3E}">
+        <p14:creationId xmlns:p14="http://schemas.microsoft.com/office/powerpoint/2010/main" val="89950011"/>
+      </p:ext>
+    </p:extLst>
+  </p:cSld>
+  <p:clrMapOvr>
+    <a:masterClrMapping/>
+  </p:clrMapOvr>
+  <p:timing>
+    <p:tnLst>
+      <p:par>
+        <p:cTn id="1" dur="indefinite" restart="never" nodeType="tmRoot"/>
+      </p:par>
+    </p:tnLst>
+  </p:timing>
+</p:sld>
+</file>
+
+<file path=ppt/slides/slide19.xml><?xml version="1.0" encoding="utf-8"?>
+<p:sld xmlns:a="http://schemas.openxmlformats.org/drawingml/2006/main" xmlns:r="http://schemas.openxmlformats.org/officeDocument/2006/relationships" xmlns:p="http://schemas.openxmlformats.org/presentationml/2006/main">
+  <p:cSld>
+    <p:spTree>
+      <p:nvGrpSpPr>
+        <p:cNvPr id="1" name=""/>
+        <p:cNvGrpSpPr/>
+        <p:nvPr/>
+      </p:nvGrpSpPr>
+      <p:grpSpPr>
+        <a:xfrm>
+          <a:off x="0" y="0"/>
+          <a:ext cx="0" cy="0"/>
+          <a:chOff x="0" y="0"/>
+          <a:chExt cx="0" cy="0"/>
+        </a:xfrm>
+      </p:grpSpPr>
+      <p:sp>
+        <p:nvSpPr>
+          <p:cNvPr id="2" name="Title 1"/>
+          <p:cNvSpPr>
+            <a:spLocks noGrp="1"/>
+          </p:cNvSpPr>
+          <p:nvPr>
+            <p:ph type="title"/>
+          </p:nvPr>
+        </p:nvSpPr>
+        <p:spPr>
+          <a:xfrm>
+            <a:off x="0" y="1"/>
+            <a:ext cx="12192000" cy="791570"/>
+          </a:xfrm>
+        </p:spPr>
+        <p:txBody>
+          <a:bodyPr>
+            <a:normAutofit fontScale="90000"/>
+          </a:bodyPr>
+          <a:lstStyle/>
+          <a:p>
+            <a:r>
+              <a:rPr lang="en-US" dirty="0" err="1" smtClean="0"/>
+              <a:t>HiveQL</a:t>
+            </a:r>
+            <a:r>
+              <a:rPr lang="en-US" dirty="0" smtClean="0"/>
+              <a:t> – DDL – Partitioning Tables[Managed &amp; External]</a:t>
+            </a:r>
+            <a:endParaRPr lang="en-US" dirty="0"/>
+          </a:p>
+        </p:txBody>
+      </p:sp>
+      <p:sp>
+        <p:nvSpPr>
+          <p:cNvPr id="3" name="Content Placeholder 2"/>
+          <p:cNvSpPr>
+            <a:spLocks noGrp="1"/>
+          </p:cNvSpPr>
+          <p:nvPr>
+            <p:ph idx="1"/>
+          </p:nvPr>
+        </p:nvSpPr>
+        <p:spPr>
+          <a:xfrm>
+            <a:off x="590550" y="791570"/>
+            <a:ext cx="11601450" cy="6066430"/>
+          </a:xfrm>
+        </p:spPr>
+        <p:txBody>
+          <a:bodyPr>
+            <a:normAutofit/>
+          </a:bodyPr>
+          <a:lstStyle/>
+          <a:p>
+            <a:pPr lvl="1"/>
+            <a:r>
+              <a:rPr lang="en-US" dirty="0"/>
+              <a:t>As for </a:t>
+            </a:r>
+            <a:r>
+              <a:rPr lang="en-US" dirty="0" err="1"/>
+              <a:t>nonpartitioned</a:t>
+            </a:r>
+            <a:r>
+              <a:rPr lang="en-US" dirty="0"/>
+              <a:t> external tables, Hive does not own the data and it does not </a:t>
+            </a:r>
+            <a:r>
+              <a:rPr lang="en-US" dirty="0" smtClean="0"/>
+              <a:t>delete the </a:t>
+            </a:r>
+            <a:r>
+              <a:rPr lang="en-US" dirty="0"/>
+              <a:t>data if the table is dropped</a:t>
+            </a:r>
+            <a:r>
+              <a:rPr lang="en-US" dirty="0" smtClean="0"/>
+              <a:t>.</a:t>
+            </a:r>
+          </a:p>
+          <a:p>
+            <a:pPr lvl="1"/>
+            <a:r>
+              <a:rPr lang="en-US" dirty="0"/>
+              <a:t>As for managed partitioned tables, you can see an external table’s partitions with </a:t>
+            </a:r>
+            <a:r>
+              <a:rPr lang="en-US" sz="2000" dirty="0" smtClean="0"/>
+              <a:t>SHOW </a:t>
+            </a:r>
+            <a:r>
+              <a:rPr lang="en-US" dirty="0" smtClean="0"/>
+              <a:t>PARTITIONS</a:t>
+            </a:r>
+            <a:r>
+              <a:rPr lang="en-US" dirty="0"/>
+              <a:t>:</a:t>
+            </a:r>
+          </a:p>
+          <a:p>
+            <a:pPr lvl="1"/>
+            <a:r>
+              <a:rPr lang="en-US" dirty="0"/>
+              <a:t>hive&gt; </a:t>
+            </a:r>
+            <a:r>
+              <a:rPr lang="en-US" b="1" dirty="0"/>
+              <a:t>SHOW </a:t>
+            </a:r>
+            <a:r>
+              <a:rPr lang="en-US" dirty="0"/>
+              <a:t>PARTITIONS </a:t>
+            </a:r>
+            <a:r>
+              <a:rPr lang="en-US" dirty="0" err="1"/>
+              <a:t>log_messages</a:t>
+            </a:r>
+            <a:r>
+              <a:rPr lang="en-US" dirty="0" smtClean="0"/>
+              <a:t>;</a:t>
+            </a:r>
+          </a:p>
+          <a:p>
+            <a:pPr lvl="1"/>
+            <a:r>
+              <a:rPr lang="en-US" sz="2000" dirty="0"/>
+              <a:t>DESCRIBE EXTENDED </a:t>
+            </a:r>
+            <a:r>
+              <a:rPr lang="en-US" sz="2000" dirty="0" err="1"/>
+              <a:t>log_messages</a:t>
+            </a:r>
+            <a:r>
+              <a:rPr lang="en-US" sz="2000" dirty="0"/>
+              <a:t> </a:t>
+            </a:r>
+            <a:r>
+              <a:rPr lang="en-US" dirty="0"/>
+              <a:t>shows the partition keys both as </a:t>
+            </a:r>
+            <a:r>
+              <a:rPr lang="en-US" dirty="0" smtClean="0"/>
+              <a:t>part of </a:t>
+            </a:r>
+            <a:r>
+              <a:rPr lang="en-US" dirty="0"/>
+              <a:t>the schema and in the list of </a:t>
+            </a:r>
+            <a:r>
+              <a:rPr lang="en-US" sz="2400" dirty="0" err="1"/>
+              <a:t>partitionKeys</a:t>
+            </a:r>
+            <a:r>
+              <a:rPr lang="en-US" dirty="0" smtClean="0"/>
+              <a:t>:</a:t>
+            </a:r>
+          </a:p>
+          <a:p>
+            <a:pPr lvl="1"/>
+            <a:r>
+              <a:rPr lang="en-US" dirty="0"/>
+              <a:t>hive&gt; </a:t>
+            </a:r>
+            <a:r>
+              <a:rPr lang="en-US" b="1" dirty="0"/>
+              <a:t>DESCRIBE </a:t>
+            </a:r>
+            <a:r>
+              <a:rPr lang="en-US" dirty="0"/>
+              <a:t>EXTENDED </a:t>
+            </a:r>
+            <a:r>
+              <a:rPr lang="en-US" dirty="0" err="1"/>
+              <a:t>log_messages</a:t>
+            </a:r>
+            <a:r>
+              <a:rPr lang="en-US" dirty="0"/>
+              <a:t>;</a:t>
+            </a:r>
+          </a:p>
+          <a:p>
+            <a:pPr lvl="2"/>
+            <a:r>
+              <a:rPr lang="en-US" dirty="0"/>
+              <a:t>...</a:t>
+            </a:r>
+          </a:p>
+          <a:p>
+            <a:pPr lvl="2"/>
+            <a:r>
+              <a:rPr lang="en-US" dirty="0"/>
+              <a:t>message string,</a:t>
+            </a:r>
+          </a:p>
+          <a:p>
+            <a:pPr lvl="2"/>
+            <a:r>
+              <a:rPr lang="en-US" b="1" dirty="0"/>
+              <a:t>year </a:t>
+            </a:r>
+            <a:r>
+              <a:rPr lang="en-US" dirty="0" err="1"/>
+              <a:t>int</a:t>
+            </a:r>
+            <a:r>
+              <a:rPr lang="en-US" dirty="0"/>
+              <a:t>,</a:t>
+            </a:r>
+          </a:p>
+          <a:p>
+            <a:pPr lvl="2"/>
+            <a:r>
+              <a:rPr lang="en-US" b="1" dirty="0"/>
+              <a:t>month </a:t>
+            </a:r>
+            <a:r>
+              <a:rPr lang="en-US" dirty="0" err="1"/>
+              <a:t>int</a:t>
+            </a:r>
+            <a:r>
+              <a:rPr lang="en-US" dirty="0"/>
+              <a:t>,</a:t>
+            </a:r>
+          </a:p>
+          <a:p>
+            <a:pPr lvl="2"/>
+            <a:r>
+              <a:rPr lang="en-US" b="1" dirty="0"/>
+              <a:t>day </a:t>
+            </a:r>
+            <a:r>
+              <a:rPr lang="en-US" dirty="0" err="1"/>
+              <a:t>int</a:t>
+            </a:r>
+            <a:endParaRPr lang="en-US" dirty="0"/>
+          </a:p>
+          <a:p>
+            <a:pPr lvl="2"/>
+            <a:r>
+              <a:rPr lang="en-US" dirty="0"/>
+              <a:t>Detailed </a:t>
+            </a:r>
+            <a:r>
+              <a:rPr lang="en-US" b="1" dirty="0"/>
+              <a:t>Table </a:t>
+            </a:r>
+            <a:r>
+              <a:rPr lang="en-US" dirty="0"/>
+              <a:t>Information...</a:t>
+            </a:r>
+          </a:p>
+          <a:p>
+            <a:pPr lvl="2"/>
+            <a:r>
+              <a:rPr lang="en-US" dirty="0" err="1"/>
+              <a:t>partitionKeys</a:t>
+            </a:r>
+            <a:r>
+              <a:rPr lang="en-US" dirty="0"/>
+              <a:t>:[</a:t>
+            </a:r>
+            <a:r>
+              <a:rPr lang="en-US" dirty="0" err="1"/>
+              <a:t>FieldSchema</a:t>
+            </a:r>
+            <a:r>
+              <a:rPr lang="en-US" dirty="0"/>
+              <a:t>(</a:t>
+            </a:r>
+            <a:r>
+              <a:rPr lang="en-US" dirty="0" err="1"/>
+              <a:t>name:</a:t>
+            </a:r>
+            <a:r>
+              <a:rPr lang="en-US" b="1" dirty="0" err="1"/>
+              <a:t>year</a:t>
+            </a:r>
+            <a:r>
+              <a:rPr lang="en-US" dirty="0"/>
+              <a:t>, </a:t>
+            </a:r>
+            <a:r>
+              <a:rPr lang="en-US" b="1" dirty="0" err="1"/>
+              <a:t>type</a:t>
+            </a:r>
+            <a:r>
+              <a:rPr lang="en-US" dirty="0" err="1"/>
+              <a:t>:int</a:t>
+            </a:r>
+            <a:r>
+              <a:rPr lang="en-US" dirty="0"/>
+              <a:t>, </a:t>
+            </a:r>
+            <a:r>
+              <a:rPr lang="en-US" b="1" dirty="0" err="1"/>
+              <a:t>comment</a:t>
+            </a:r>
+            <a:r>
+              <a:rPr lang="en-US" dirty="0" err="1"/>
+              <a:t>:</a:t>
+            </a:r>
+            <a:r>
+              <a:rPr lang="en-US" b="1" dirty="0" err="1"/>
+              <a:t>null</a:t>
+            </a:r>
+            <a:r>
+              <a:rPr lang="en-US" dirty="0"/>
+              <a:t>),</a:t>
+            </a:r>
+          </a:p>
+          <a:p>
+            <a:pPr lvl="2"/>
+            <a:r>
+              <a:rPr lang="en-US" dirty="0" err="1"/>
+              <a:t>FieldSchema</a:t>
+            </a:r>
+            <a:r>
+              <a:rPr lang="en-US" dirty="0"/>
+              <a:t>(</a:t>
+            </a:r>
+            <a:r>
+              <a:rPr lang="en-US" dirty="0" err="1"/>
+              <a:t>name:</a:t>
+            </a:r>
+            <a:r>
+              <a:rPr lang="en-US" b="1" dirty="0" err="1"/>
+              <a:t>month</a:t>
+            </a:r>
+            <a:r>
+              <a:rPr lang="en-US" dirty="0"/>
+              <a:t>, </a:t>
+            </a:r>
+            <a:r>
+              <a:rPr lang="en-US" b="1" dirty="0" err="1"/>
+              <a:t>type</a:t>
+            </a:r>
+            <a:r>
+              <a:rPr lang="en-US" dirty="0" err="1"/>
+              <a:t>:int</a:t>
+            </a:r>
+            <a:r>
+              <a:rPr lang="en-US" dirty="0"/>
+              <a:t>, </a:t>
+            </a:r>
+            <a:r>
+              <a:rPr lang="en-US" b="1" dirty="0" err="1"/>
+              <a:t>comment</a:t>
+            </a:r>
+            <a:r>
+              <a:rPr lang="en-US" dirty="0" err="1"/>
+              <a:t>:</a:t>
+            </a:r>
+            <a:r>
+              <a:rPr lang="en-US" b="1" dirty="0" err="1"/>
+              <a:t>null</a:t>
+            </a:r>
+            <a:r>
+              <a:rPr lang="en-US" dirty="0"/>
+              <a:t>),</a:t>
+            </a:r>
+          </a:p>
+          <a:p>
+            <a:pPr lvl="2"/>
+            <a:r>
+              <a:rPr lang="en-US" dirty="0" err="1"/>
+              <a:t>FieldSchema</a:t>
+            </a:r>
+            <a:r>
+              <a:rPr lang="en-US" dirty="0"/>
+              <a:t>(</a:t>
+            </a:r>
+            <a:r>
+              <a:rPr lang="en-US" dirty="0" err="1"/>
+              <a:t>name:</a:t>
+            </a:r>
+            <a:r>
+              <a:rPr lang="en-US" b="1" dirty="0" err="1"/>
+              <a:t>day</a:t>
+            </a:r>
+            <a:r>
+              <a:rPr lang="en-US" dirty="0"/>
+              <a:t>, </a:t>
+            </a:r>
+            <a:r>
+              <a:rPr lang="en-US" b="1" dirty="0" err="1"/>
+              <a:t>type</a:t>
+            </a:r>
+            <a:r>
+              <a:rPr lang="en-US" dirty="0" err="1"/>
+              <a:t>:int</a:t>
+            </a:r>
+            <a:r>
+              <a:rPr lang="en-US" dirty="0"/>
+              <a:t>, </a:t>
+            </a:r>
+            <a:r>
+              <a:rPr lang="en-US" b="1" dirty="0" err="1"/>
+              <a:t>comment</a:t>
+            </a:r>
+            <a:r>
+              <a:rPr lang="en-US" dirty="0" err="1"/>
+              <a:t>:</a:t>
+            </a:r>
+            <a:r>
+              <a:rPr lang="en-US" b="1" dirty="0" err="1"/>
+              <a:t>null</a:t>
+            </a:r>
+            <a:r>
+              <a:rPr lang="en-US" dirty="0" smtClean="0"/>
+              <a:t>)],</a:t>
+            </a:r>
+          </a:p>
+          <a:p>
+            <a:pPr lvl="1"/>
+            <a:endParaRPr lang="en-US" dirty="0"/>
+          </a:p>
+          <a:p>
+            <a:pPr lvl="1"/>
+            <a:endParaRPr lang="en-US" dirty="0"/>
+          </a:p>
+        </p:txBody>
+      </p:sp>
+    </p:spTree>
+    <p:extLst>
+      <p:ext uri="{BB962C8B-B14F-4D97-AF65-F5344CB8AC3E}">
+        <p14:creationId xmlns:p14="http://schemas.microsoft.com/office/powerpoint/2010/main" val="320429156"/>
       </p:ext>
     </p:extLst>
   </p:cSld>
@@ -7168,6 +9050,3159 @@
     <p:extLst>
       <p:ext uri="{BB962C8B-B14F-4D97-AF65-F5344CB8AC3E}">
         <p14:creationId xmlns:p14="http://schemas.microsoft.com/office/powerpoint/2010/main" val="442493964"/>
+      </p:ext>
+    </p:extLst>
+  </p:cSld>
+  <p:clrMapOvr>
+    <a:masterClrMapping/>
+  </p:clrMapOvr>
+  <p:timing>
+    <p:tnLst>
+      <p:par>
+        <p:cTn id="1" dur="indefinite" restart="never" nodeType="tmRoot"/>
+      </p:par>
+    </p:tnLst>
+  </p:timing>
+</p:sld>
+</file>
+
+<file path=ppt/slides/slide20.xml><?xml version="1.0" encoding="utf-8"?>
+<p:sld xmlns:a="http://schemas.openxmlformats.org/drawingml/2006/main" xmlns:r="http://schemas.openxmlformats.org/officeDocument/2006/relationships" xmlns:p="http://schemas.openxmlformats.org/presentationml/2006/main">
+  <p:cSld>
+    <p:spTree>
+      <p:nvGrpSpPr>
+        <p:cNvPr id="1" name=""/>
+        <p:cNvGrpSpPr/>
+        <p:nvPr/>
+      </p:nvGrpSpPr>
+      <p:grpSpPr>
+        <a:xfrm>
+          <a:off x="0" y="0"/>
+          <a:ext cx="0" cy="0"/>
+          <a:chOff x="0" y="0"/>
+          <a:chExt cx="0" cy="0"/>
+        </a:xfrm>
+      </p:grpSpPr>
+      <p:sp>
+        <p:nvSpPr>
+          <p:cNvPr id="2" name="Title 1"/>
+          <p:cNvSpPr>
+            <a:spLocks noGrp="1"/>
+          </p:cNvSpPr>
+          <p:nvPr>
+            <p:ph type="title"/>
+          </p:nvPr>
+        </p:nvSpPr>
+        <p:spPr>
+          <a:xfrm>
+            <a:off x="0" y="1"/>
+            <a:ext cx="12192000" cy="791570"/>
+          </a:xfrm>
+        </p:spPr>
+        <p:txBody>
+          <a:bodyPr>
+            <a:normAutofit fontScale="90000"/>
+          </a:bodyPr>
+          <a:lstStyle/>
+          <a:p>
+            <a:r>
+              <a:rPr lang="en-US" dirty="0" err="1" smtClean="0"/>
+              <a:t>HiveQL</a:t>
+            </a:r>
+            <a:r>
+              <a:rPr lang="en-US" dirty="0" smtClean="0"/>
+              <a:t> – DDL – Partitioning Tables[Managed &amp; External]</a:t>
+            </a:r>
+            <a:endParaRPr lang="en-US" dirty="0"/>
+          </a:p>
+        </p:txBody>
+      </p:sp>
+      <p:sp>
+        <p:nvSpPr>
+          <p:cNvPr id="3" name="Content Placeholder 2"/>
+          <p:cNvSpPr>
+            <a:spLocks noGrp="1"/>
+          </p:cNvSpPr>
+          <p:nvPr>
+            <p:ph idx="1"/>
+          </p:nvPr>
+        </p:nvSpPr>
+        <p:spPr>
+          <a:xfrm>
+            <a:off x="590550" y="791570"/>
+            <a:ext cx="11601450" cy="6066430"/>
+          </a:xfrm>
+        </p:spPr>
+        <p:txBody>
+          <a:bodyPr>
+            <a:normAutofit/>
+          </a:bodyPr>
+          <a:lstStyle/>
+          <a:p>
+            <a:pPr lvl="1"/>
+            <a:r>
+              <a:rPr lang="en-US" dirty="0" smtClean="0"/>
+              <a:t>This </a:t>
+            </a:r>
+            <a:r>
+              <a:rPr lang="en-US" dirty="0" err="1" smtClean="0"/>
+              <a:t>doesnot</a:t>
+            </a:r>
+            <a:r>
+              <a:rPr lang="en-US" dirty="0" smtClean="0"/>
+              <a:t> show the useful information of what is the actual location of the partition data. </a:t>
+            </a:r>
+            <a:r>
+              <a:rPr lang="en-US" dirty="0" err="1" smtClean="0"/>
+              <a:t>i.e</a:t>
+            </a:r>
+            <a:r>
+              <a:rPr lang="en-US" dirty="0" smtClean="0"/>
+              <a:t> the location field. This we can fetch by querying individual partitions.</a:t>
+            </a:r>
+          </a:p>
+          <a:p>
+            <a:pPr lvl="1"/>
+            <a:r>
+              <a:rPr lang="en-US" dirty="0"/>
+              <a:t>hive&gt; </a:t>
+            </a:r>
+            <a:r>
+              <a:rPr lang="en-US" b="1" dirty="0"/>
+              <a:t>DESCRIBE </a:t>
+            </a:r>
+            <a:r>
+              <a:rPr lang="en-US" dirty="0"/>
+              <a:t>EXTENDED </a:t>
+            </a:r>
+            <a:r>
+              <a:rPr lang="en-US" dirty="0" err="1"/>
+              <a:t>log_messages</a:t>
+            </a:r>
+            <a:r>
+              <a:rPr lang="en-US" dirty="0"/>
+              <a:t> PARTITION (</a:t>
+            </a:r>
+            <a:r>
+              <a:rPr lang="en-US" b="1" dirty="0"/>
+              <a:t>year</a:t>
+            </a:r>
+            <a:r>
+              <a:rPr lang="en-US" dirty="0"/>
+              <a:t>=2012, </a:t>
+            </a:r>
+            <a:r>
+              <a:rPr lang="en-US" b="1" dirty="0"/>
+              <a:t>month</a:t>
+            </a:r>
+            <a:r>
+              <a:rPr lang="en-US" dirty="0"/>
+              <a:t>=1, </a:t>
+            </a:r>
+            <a:r>
+              <a:rPr lang="en-US" b="1" dirty="0"/>
+              <a:t>day</a:t>
+            </a:r>
+            <a:r>
+              <a:rPr lang="en-US" dirty="0"/>
+              <a:t>=2);</a:t>
+            </a:r>
+          </a:p>
+          <a:p>
+            <a:pPr lvl="2"/>
+            <a:r>
+              <a:rPr lang="en-US" b="1" dirty="0" smtClean="0"/>
+              <a:t>location</a:t>
+            </a:r>
+            <a:r>
+              <a:rPr lang="en-US" dirty="0" smtClean="0"/>
+              <a:t>:s3n</a:t>
+            </a:r>
+            <a:r>
+              <a:rPr lang="en-US" dirty="0"/>
+              <a:t>://</a:t>
+            </a:r>
+            <a:r>
+              <a:rPr lang="en-US" dirty="0" err="1" smtClean="0"/>
+              <a:t>ourbucket</a:t>
+            </a:r>
+            <a:r>
+              <a:rPr lang="en-US" dirty="0" smtClean="0"/>
+              <a:t>/logs/2011/01/02</a:t>
+            </a:r>
+          </a:p>
+          <a:p>
+            <a:pPr lvl="1"/>
+            <a:r>
+              <a:rPr lang="en-US" dirty="0" smtClean="0"/>
+              <a:t>In production always external tables are used, due to its logical data management and </a:t>
+            </a:r>
+            <a:r>
+              <a:rPr lang="en-US" dirty="0" err="1" smtClean="0"/>
+              <a:t>performant</a:t>
+            </a:r>
+            <a:r>
+              <a:rPr lang="en-US" dirty="0" smtClean="0"/>
+              <a:t> queries, etc.</a:t>
+            </a:r>
+          </a:p>
+          <a:p>
+            <a:pPr lvl="1"/>
+            <a:endParaRPr lang="en-US" dirty="0"/>
+          </a:p>
+          <a:p>
+            <a:pPr lvl="1"/>
+            <a:r>
+              <a:rPr lang="en-US" dirty="0" smtClean="0"/>
+              <a:t>ALTER table add partition is not limited to external table, you can use it with managed table also.</a:t>
+            </a:r>
+          </a:p>
+          <a:p>
+            <a:pPr lvl="1"/>
+            <a:r>
+              <a:rPr lang="en-US" dirty="0" smtClean="0"/>
+              <a:t>Imp to remember is that, not all the data will  be under the actual Hive, warehouse directory. And this won’t be deleted when you drop the managed table.</a:t>
+            </a:r>
+          </a:p>
+          <a:p>
+            <a:pPr lvl="1"/>
+            <a:endParaRPr lang="en-US" dirty="0"/>
+          </a:p>
+        </p:txBody>
+      </p:sp>
+    </p:spTree>
+    <p:extLst>
+      <p:ext uri="{BB962C8B-B14F-4D97-AF65-F5344CB8AC3E}">
+        <p14:creationId xmlns:p14="http://schemas.microsoft.com/office/powerpoint/2010/main" val="1180566858"/>
+      </p:ext>
+    </p:extLst>
+  </p:cSld>
+  <p:clrMapOvr>
+    <a:masterClrMapping/>
+  </p:clrMapOvr>
+  <p:timing>
+    <p:tnLst>
+      <p:par>
+        <p:cTn id="1" dur="indefinite" restart="never" nodeType="tmRoot"/>
+      </p:par>
+    </p:tnLst>
+  </p:timing>
+</p:sld>
+</file>
+
+<file path=ppt/slides/slide21.xml><?xml version="1.0" encoding="utf-8"?>
+<p:sld xmlns:a="http://schemas.openxmlformats.org/drawingml/2006/main" xmlns:r="http://schemas.openxmlformats.org/officeDocument/2006/relationships" xmlns:p="http://schemas.openxmlformats.org/presentationml/2006/main">
+  <p:cSld>
+    <p:spTree>
+      <p:nvGrpSpPr>
+        <p:cNvPr id="1" name=""/>
+        <p:cNvGrpSpPr/>
+        <p:nvPr/>
+      </p:nvGrpSpPr>
+      <p:grpSpPr>
+        <a:xfrm>
+          <a:off x="0" y="0"/>
+          <a:ext cx="0" cy="0"/>
+          <a:chOff x="0" y="0"/>
+          <a:chExt cx="0" cy="0"/>
+        </a:xfrm>
+      </p:grpSpPr>
+      <p:sp>
+        <p:nvSpPr>
+          <p:cNvPr id="2" name="Title 1"/>
+          <p:cNvSpPr>
+            <a:spLocks noGrp="1"/>
+          </p:cNvSpPr>
+          <p:nvPr>
+            <p:ph type="title"/>
+          </p:nvPr>
+        </p:nvSpPr>
+        <p:spPr>
+          <a:xfrm>
+            <a:off x="0" y="1"/>
+            <a:ext cx="12192000" cy="791570"/>
+          </a:xfrm>
+        </p:spPr>
+        <p:txBody>
+          <a:bodyPr>
+            <a:normAutofit/>
+          </a:bodyPr>
+          <a:lstStyle/>
+          <a:p>
+            <a:r>
+              <a:rPr lang="en-US" dirty="0" err="1" smtClean="0"/>
+              <a:t>HiveQL</a:t>
+            </a:r>
+            <a:r>
+              <a:rPr lang="en-US" dirty="0" smtClean="0"/>
+              <a:t> – DDL – Table Storage Format</a:t>
+            </a:r>
+            <a:endParaRPr lang="en-US" dirty="0"/>
+          </a:p>
+        </p:txBody>
+      </p:sp>
+      <p:sp>
+        <p:nvSpPr>
+          <p:cNvPr id="3" name="Content Placeholder 2"/>
+          <p:cNvSpPr>
+            <a:spLocks noGrp="1"/>
+          </p:cNvSpPr>
+          <p:nvPr>
+            <p:ph idx="1"/>
+          </p:nvPr>
+        </p:nvSpPr>
+        <p:spPr>
+          <a:xfrm>
+            <a:off x="590550" y="791570"/>
+            <a:ext cx="11601450" cy="6066430"/>
+          </a:xfrm>
+        </p:spPr>
+        <p:txBody>
+          <a:bodyPr>
+            <a:normAutofit fontScale="92500" lnSpcReduction="10000"/>
+          </a:bodyPr>
+          <a:lstStyle/>
+          <a:p>
+            <a:r>
+              <a:rPr lang="en-US" dirty="0" smtClean="0"/>
+              <a:t>Text file encoding – STORED as TEXTFILE. And we can overload the default values for the various delimiters when creating the table.</a:t>
+            </a:r>
+          </a:p>
+          <a:p>
+            <a:r>
+              <a:rPr lang="en-US" dirty="0" smtClean="0"/>
+              <a:t>Text file – all fields are encoded using alphanumeric chars. In text file, each line is considered a separate record.</a:t>
+            </a:r>
+          </a:p>
+          <a:p>
+            <a:r>
+              <a:rPr lang="en-US" dirty="0" smtClean="0"/>
+              <a:t>You can use any built-in file formats, </a:t>
+            </a:r>
+            <a:r>
+              <a:rPr lang="en-US" dirty="0" err="1" smtClean="0"/>
+              <a:t>seq</a:t>
+            </a:r>
+            <a:r>
+              <a:rPr lang="en-US" dirty="0" smtClean="0"/>
+              <a:t> file, </a:t>
+            </a:r>
+            <a:r>
+              <a:rPr lang="en-US" dirty="0" err="1" smtClean="0"/>
+              <a:t>rc</a:t>
+            </a:r>
+            <a:r>
+              <a:rPr lang="en-US" dirty="0" smtClean="0"/>
+              <a:t> file </a:t>
+            </a:r>
+            <a:r>
+              <a:rPr lang="en-US" dirty="0" err="1" smtClean="0"/>
+              <a:t>etc</a:t>
+            </a:r>
+            <a:r>
+              <a:rPr lang="en-US" dirty="0" smtClean="0"/>
+              <a:t>, which are  supported by Hive, </a:t>
+            </a:r>
+            <a:r>
+              <a:rPr lang="en-US" b="1" dirty="0" smtClean="0"/>
+              <a:t>these are optimized for disk space usage and i/o b/w performance using binary encoding and optional compression.</a:t>
+            </a:r>
+          </a:p>
+          <a:p>
+            <a:r>
+              <a:rPr lang="en-US" dirty="0" smtClean="0"/>
+              <a:t>Hive knows/writes how records are encoded in a file and how columns are encoded into records.</a:t>
+            </a:r>
+            <a:r>
+              <a:rPr lang="en-US" dirty="0"/>
+              <a:t> </a:t>
+            </a:r>
+            <a:r>
+              <a:rPr lang="en-US" dirty="0" smtClean="0"/>
+              <a:t>You can customize behaviors separately.</a:t>
+            </a:r>
+          </a:p>
+          <a:p>
+            <a:r>
+              <a:rPr lang="en-US" dirty="0" smtClean="0"/>
+              <a:t>First by input format, second by </a:t>
+            </a:r>
+            <a:r>
+              <a:rPr lang="en-US" dirty="0" err="1" smtClean="0"/>
+              <a:t>serde’s</a:t>
+            </a:r>
+            <a:r>
+              <a:rPr lang="en-US" dirty="0" smtClean="0"/>
+              <a:t>.</a:t>
+            </a:r>
+          </a:p>
+          <a:p>
+            <a:r>
+              <a:rPr lang="en-US" dirty="0" smtClean="0"/>
+              <a:t>Record </a:t>
+            </a:r>
+            <a:r>
+              <a:rPr lang="en-US" b="1" dirty="0" smtClean="0"/>
+              <a:t>encoding</a:t>
+            </a:r>
+            <a:r>
+              <a:rPr lang="en-US" dirty="0" smtClean="0"/>
+              <a:t> is handled by input format object. ( this is the Java code behind </a:t>
+            </a:r>
+            <a:r>
+              <a:rPr lang="en-US" dirty="0" err="1" smtClean="0"/>
+              <a:t>i</a:t>
+            </a:r>
+            <a:r>
+              <a:rPr lang="en-US" dirty="0" smtClean="0"/>
+              <a:t>/p format like </a:t>
+            </a:r>
+            <a:r>
+              <a:rPr lang="en-US" dirty="0" err="1" smtClean="0"/>
+              <a:t>Textfile</a:t>
+            </a:r>
+            <a:r>
+              <a:rPr lang="en-US" dirty="0" smtClean="0"/>
+              <a:t>). Hive uses java class </a:t>
+            </a:r>
+            <a:r>
+              <a:rPr lang="en-US" dirty="0" err="1" smtClean="0"/>
+              <a:t>o.apache.Hadoop.mapred.TextInputFormat</a:t>
+            </a:r>
+            <a:r>
+              <a:rPr lang="en-US" dirty="0" smtClean="0"/>
+              <a:t>.</a:t>
+            </a:r>
+          </a:p>
+          <a:p>
+            <a:r>
+              <a:rPr lang="en-US" dirty="0" smtClean="0"/>
+              <a:t>The Record </a:t>
+            </a:r>
+            <a:r>
+              <a:rPr lang="en-US" b="1" dirty="0" smtClean="0"/>
+              <a:t>parsing </a:t>
+            </a:r>
+            <a:r>
+              <a:rPr lang="en-US" dirty="0" smtClean="0"/>
+              <a:t>is handled by a </a:t>
+            </a:r>
+            <a:r>
+              <a:rPr lang="en-US" dirty="0" err="1" smtClean="0"/>
+              <a:t>serializer</a:t>
+            </a:r>
+            <a:r>
+              <a:rPr lang="en-US" dirty="0" smtClean="0"/>
+              <a:t>/</a:t>
+            </a:r>
+            <a:r>
+              <a:rPr lang="en-US" dirty="0" err="1" smtClean="0"/>
+              <a:t>deserializer</a:t>
+            </a:r>
+            <a:r>
+              <a:rPr lang="en-US" dirty="0" smtClean="0"/>
+              <a:t> or </a:t>
+            </a:r>
+            <a:r>
+              <a:rPr lang="en-US" dirty="0" err="1" smtClean="0"/>
+              <a:t>SerDe</a:t>
+            </a:r>
+            <a:r>
+              <a:rPr lang="en-US" dirty="0" smtClean="0"/>
+              <a:t>.</a:t>
+            </a:r>
+            <a:r>
+              <a:rPr lang="en-US" dirty="0"/>
+              <a:t> </a:t>
+            </a:r>
+            <a:r>
+              <a:rPr lang="en-US" dirty="0" smtClean="0"/>
+              <a:t>For </a:t>
+            </a:r>
+            <a:r>
+              <a:rPr lang="en-US" dirty="0" err="1" smtClean="0"/>
+              <a:t>TextFile</a:t>
+            </a:r>
+            <a:r>
+              <a:rPr lang="en-US" dirty="0" smtClean="0"/>
+              <a:t> I/F, hive uses the </a:t>
+            </a:r>
+            <a:r>
+              <a:rPr lang="en-US" dirty="0" err="1" smtClean="0"/>
+              <a:t>SerDe</a:t>
+            </a:r>
+            <a:r>
+              <a:rPr lang="en-US" dirty="0" smtClean="0"/>
+              <a:t> , which is another java class called, o.a.Hadoop.hive.serde2.lazy.LazySimpleSerDe.</a:t>
+            </a:r>
+          </a:p>
+        </p:txBody>
+      </p:sp>
+    </p:spTree>
+    <p:extLst>
+      <p:ext uri="{BB962C8B-B14F-4D97-AF65-F5344CB8AC3E}">
+        <p14:creationId xmlns:p14="http://schemas.microsoft.com/office/powerpoint/2010/main" val="2530079464"/>
+      </p:ext>
+    </p:extLst>
+  </p:cSld>
+  <p:clrMapOvr>
+    <a:masterClrMapping/>
+  </p:clrMapOvr>
+  <p:timing>
+    <p:tnLst>
+      <p:par>
+        <p:cTn id="1" dur="indefinite" restart="never" nodeType="tmRoot"/>
+      </p:par>
+    </p:tnLst>
+  </p:timing>
+</p:sld>
+</file>
+
+<file path=ppt/slides/slide22.xml><?xml version="1.0" encoding="utf-8"?>
+<p:sld xmlns:a="http://schemas.openxmlformats.org/drawingml/2006/main" xmlns:r="http://schemas.openxmlformats.org/officeDocument/2006/relationships" xmlns:p="http://schemas.openxmlformats.org/presentationml/2006/main">
+  <p:cSld>
+    <p:spTree>
+      <p:nvGrpSpPr>
+        <p:cNvPr id="1" name=""/>
+        <p:cNvGrpSpPr/>
+        <p:nvPr/>
+      </p:nvGrpSpPr>
+      <p:grpSpPr>
+        <a:xfrm>
+          <a:off x="0" y="0"/>
+          <a:ext cx="0" cy="0"/>
+          <a:chOff x="0" y="0"/>
+          <a:chExt cx="0" cy="0"/>
+        </a:xfrm>
+      </p:grpSpPr>
+      <p:sp>
+        <p:nvSpPr>
+          <p:cNvPr id="2" name="Title 1"/>
+          <p:cNvSpPr>
+            <a:spLocks noGrp="1"/>
+          </p:cNvSpPr>
+          <p:nvPr>
+            <p:ph type="title"/>
+          </p:nvPr>
+        </p:nvSpPr>
+        <p:spPr>
+          <a:xfrm>
+            <a:off x="0" y="1"/>
+            <a:ext cx="12192000" cy="791570"/>
+          </a:xfrm>
+        </p:spPr>
+        <p:txBody>
+          <a:bodyPr>
+            <a:normAutofit/>
+          </a:bodyPr>
+          <a:lstStyle/>
+          <a:p>
+            <a:r>
+              <a:rPr lang="en-US" dirty="0" err="1" smtClean="0"/>
+              <a:t>HiveQL</a:t>
+            </a:r>
+            <a:r>
+              <a:rPr lang="en-US" dirty="0" smtClean="0"/>
+              <a:t> – DDL – Table Storage Format</a:t>
+            </a:r>
+            <a:endParaRPr lang="en-US" dirty="0"/>
+          </a:p>
+        </p:txBody>
+      </p:sp>
+      <p:sp>
+        <p:nvSpPr>
+          <p:cNvPr id="3" name="Content Placeholder 2"/>
+          <p:cNvSpPr>
+            <a:spLocks noGrp="1"/>
+          </p:cNvSpPr>
+          <p:nvPr>
+            <p:ph idx="1"/>
+          </p:nvPr>
+        </p:nvSpPr>
+        <p:spPr>
+          <a:xfrm>
+            <a:off x="590550" y="791570"/>
+            <a:ext cx="11601450" cy="6066430"/>
+          </a:xfrm>
+        </p:spPr>
+        <p:txBody>
+          <a:bodyPr>
+            <a:normAutofit/>
+          </a:bodyPr>
+          <a:lstStyle/>
+          <a:p>
+            <a:r>
+              <a:rPr lang="en-US" dirty="0" smtClean="0"/>
+              <a:t>There exists </a:t>
+            </a:r>
+            <a:r>
+              <a:rPr lang="en-US" dirty="0" err="1" smtClean="0"/>
+              <a:t>OutputFormat</a:t>
+            </a:r>
+            <a:r>
+              <a:rPr lang="en-US" dirty="0" smtClean="0"/>
+              <a:t>, which hive uses to write output of a </a:t>
+            </a:r>
+            <a:r>
+              <a:rPr lang="en-US" b="1" dirty="0" smtClean="0"/>
+              <a:t>query </a:t>
+            </a:r>
+            <a:r>
+              <a:rPr lang="en-US" dirty="0" smtClean="0"/>
+              <a:t>to file and to the console. For </a:t>
+            </a:r>
+            <a:r>
+              <a:rPr lang="en-US" dirty="0" err="1" smtClean="0"/>
+              <a:t>textfile</a:t>
+            </a:r>
+            <a:r>
+              <a:rPr lang="en-US" dirty="0" smtClean="0"/>
+              <a:t>, </a:t>
+            </a:r>
+            <a:r>
+              <a:rPr lang="en-US" dirty="0" err="1" smtClean="0"/>
+              <a:t>o.a.had.hive.ql.iol.HiveIgnoreKeyTextOutputFormat</a:t>
+            </a:r>
+            <a:r>
+              <a:rPr lang="en-US" dirty="0" smtClean="0"/>
+              <a:t> is used.</a:t>
+            </a:r>
+          </a:p>
+          <a:p>
+            <a:r>
+              <a:rPr lang="en-US" b="1" u="sng" dirty="0"/>
+              <a:t>Hive uses an </a:t>
+            </a:r>
+            <a:r>
+              <a:rPr lang="en-US" b="1" i="1" u="sng" dirty="0"/>
+              <a:t>input format </a:t>
+            </a:r>
+            <a:r>
+              <a:rPr lang="en-US" b="1" u="sng" dirty="0"/>
+              <a:t>to split input streams into </a:t>
+            </a:r>
+            <a:r>
+              <a:rPr lang="en-US" b="1" i="1" u="sng" dirty="0"/>
+              <a:t>records</a:t>
+            </a:r>
+            <a:r>
+              <a:rPr lang="en-US" b="1" u="sng" dirty="0"/>
+              <a:t>, </a:t>
+            </a:r>
+            <a:endParaRPr lang="en-US" b="1" u="sng" dirty="0" smtClean="0"/>
+          </a:p>
+          <a:p>
+            <a:r>
+              <a:rPr lang="en-US" b="1" u="sng" dirty="0" smtClean="0"/>
+              <a:t>an </a:t>
+            </a:r>
+            <a:r>
+              <a:rPr lang="en-US" b="1" i="1" u="sng" dirty="0" smtClean="0"/>
+              <a:t>output format </a:t>
+            </a:r>
+            <a:r>
+              <a:rPr lang="en-US" b="1" u="sng" dirty="0"/>
+              <a:t>to format records into output streams (i.e., the output of queries</a:t>
+            </a:r>
+            <a:r>
+              <a:rPr lang="en-US" b="1" u="sng" dirty="0" smtClean="0"/>
+              <a:t>),and </a:t>
+            </a:r>
+          </a:p>
+          <a:p>
+            <a:r>
+              <a:rPr lang="en-US" b="1" u="sng" dirty="0" smtClean="0"/>
+              <a:t>a </a:t>
+            </a:r>
+            <a:r>
+              <a:rPr lang="en-US" b="1" i="1" u="sng" dirty="0" err="1"/>
+              <a:t>SerDe</a:t>
+            </a:r>
+            <a:r>
+              <a:rPr lang="en-US" b="1" i="1" u="sng" dirty="0"/>
+              <a:t> </a:t>
+            </a:r>
+            <a:r>
+              <a:rPr lang="en-US" b="1" u="sng" dirty="0"/>
+              <a:t>to parse </a:t>
+            </a:r>
+            <a:r>
+              <a:rPr lang="en-US" b="1" i="1" u="sng" dirty="0"/>
+              <a:t>records </a:t>
+            </a:r>
+            <a:r>
+              <a:rPr lang="en-US" b="1" u="sng" dirty="0"/>
+              <a:t>into </a:t>
+            </a:r>
+            <a:r>
+              <a:rPr lang="en-US" b="1" i="1" u="sng" dirty="0"/>
+              <a:t>columns</a:t>
+            </a:r>
+            <a:r>
+              <a:rPr lang="en-US" b="1" u="sng" dirty="0"/>
+              <a:t>, when reading, and</a:t>
+            </a:r>
+          </a:p>
+          <a:p>
+            <a:r>
+              <a:rPr lang="en-US" b="1" u="sng" dirty="0"/>
+              <a:t>encodes </a:t>
+            </a:r>
+            <a:r>
+              <a:rPr lang="en-US" b="1" i="1" u="sng" dirty="0"/>
+              <a:t>columns </a:t>
+            </a:r>
+            <a:r>
+              <a:rPr lang="en-US" b="1" u="sng" dirty="0"/>
+              <a:t>into </a:t>
+            </a:r>
+            <a:r>
+              <a:rPr lang="en-US" b="1" i="1" u="sng" dirty="0"/>
+              <a:t>records</a:t>
+            </a:r>
+            <a:r>
+              <a:rPr lang="en-US" b="1" u="sng" dirty="0"/>
+              <a:t>, when </a:t>
+            </a:r>
+            <a:r>
+              <a:rPr lang="en-US" b="1" u="sng" dirty="0" smtClean="0"/>
+              <a:t>writing.</a:t>
+            </a:r>
+          </a:p>
+          <a:p>
+            <a:endParaRPr lang="en-US" dirty="0"/>
+          </a:p>
+          <a:p>
+            <a:r>
+              <a:rPr lang="en-US" dirty="0" smtClean="0"/>
+              <a:t>Third party input and output formats and </a:t>
+            </a:r>
+            <a:r>
+              <a:rPr lang="en-US" dirty="0" err="1" smtClean="0"/>
+              <a:t>SerDe’s</a:t>
+            </a:r>
+            <a:r>
+              <a:rPr lang="en-US" dirty="0" smtClean="0"/>
+              <a:t> can be specified, as part of Hive customization, Hence Hive supports a wide range of formats which doesn’t have native support.</a:t>
+            </a:r>
+          </a:p>
+        </p:txBody>
+      </p:sp>
+    </p:spTree>
+    <p:extLst>
+      <p:ext uri="{BB962C8B-B14F-4D97-AF65-F5344CB8AC3E}">
+        <p14:creationId xmlns:p14="http://schemas.microsoft.com/office/powerpoint/2010/main" val="2106507339"/>
+      </p:ext>
+    </p:extLst>
+  </p:cSld>
+  <p:clrMapOvr>
+    <a:masterClrMapping/>
+  </p:clrMapOvr>
+  <p:timing>
+    <p:tnLst>
+      <p:par>
+        <p:cTn id="1" dur="indefinite" restart="never" nodeType="tmRoot"/>
+      </p:par>
+    </p:tnLst>
+  </p:timing>
+</p:sld>
+</file>
+
+<file path=ppt/slides/slide23.xml><?xml version="1.0" encoding="utf-8"?>
+<p:sld xmlns:a="http://schemas.openxmlformats.org/drawingml/2006/main" xmlns:r="http://schemas.openxmlformats.org/officeDocument/2006/relationships" xmlns:p="http://schemas.openxmlformats.org/presentationml/2006/main">
+  <p:cSld>
+    <p:spTree>
+      <p:nvGrpSpPr>
+        <p:cNvPr id="1" name=""/>
+        <p:cNvGrpSpPr/>
+        <p:nvPr/>
+      </p:nvGrpSpPr>
+      <p:grpSpPr>
+        <a:xfrm>
+          <a:off x="0" y="0"/>
+          <a:ext cx="0" cy="0"/>
+          <a:chOff x="0" y="0"/>
+          <a:chExt cx="0" cy="0"/>
+        </a:xfrm>
+      </p:grpSpPr>
+      <p:sp>
+        <p:nvSpPr>
+          <p:cNvPr id="2" name="Title 1"/>
+          <p:cNvSpPr>
+            <a:spLocks noGrp="1"/>
+          </p:cNvSpPr>
+          <p:nvPr>
+            <p:ph type="title"/>
+          </p:nvPr>
+        </p:nvSpPr>
+        <p:spPr>
+          <a:xfrm>
+            <a:off x="0" y="1"/>
+            <a:ext cx="12192000" cy="791570"/>
+          </a:xfrm>
+        </p:spPr>
+        <p:txBody>
+          <a:bodyPr>
+            <a:normAutofit/>
+          </a:bodyPr>
+          <a:lstStyle/>
+          <a:p>
+            <a:r>
+              <a:rPr lang="en-US" dirty="0" err="1" smtClean="0"/>
+              <a:t>HiveQL</a:t>
+            </a:r>
+            <a:r>
+              <a:rPr lang="en-US" dirty="0" smtClean="0"/>
+              <a:t> – DDL – Table Storage Format</a:t>
+            </a:r>
+            <a:endParaRPr lang="en-US" dirty="0"/>
+          </a:p>
+        </p:txBody>
+      </p:sp>
+      <p:sp>
+        <p:nvSpPr>
+          <p:cNvPr id="3" name="Content Placeholder 2"/>
+          <p:cNvSpPr>
+            <a:spLocks noGrp="1"/>
+          </p:cNvSpPr>
+          <p:nvPr>
+            <p:ph idx="1"/>
+          </p:nvPr>
+        </p:nvSpPr>
+        <p:spPr>
+          <a:xfrm>
+            <a:off x="590550" y="791570"/>
+            <a:ext cx="11601450" cy="6066430"/>
+          </a:xfrm>
+        </p:spPr>
+        <p:txBody>
+          <a:bodyPr>
+            <a:normAutofit fontScale="85000" lnSpcReduction="20000"/>
+          </a:bodyPr>
+          <a:lstStyle/>
+          <a:p>
+            <a:r>
+              <a:rPr lang="en-US" dirty="0"/>
+              <a:t>Here is a complete example that uses a custom </a:t>
+            </a:r>
+            <a:r>
+              <a:rPr lang="en-US" dirty="0" err="1"/>
+              <a:t>SerDe</a:t>
+            </a:r>
+            <a:r>
+              <a:rPr lang="en-US" dirty="0"/>
+              <a:t>, input format, and output </a:t>
+            </a:r>
+            <a:r>
+              <a:rPr lang="en-US" dirty="0" smtClean="0"/>
+              <a:t>format for </a:t>
+            </a:r>
+            <a:r>
+              <a:rPr lang="en-US" dirty="0"/>
+              <a:t>files accessible through the </a:t>
+            </a:r>
+            <a:r>
+              <a:rPr lang="en-US" i="1" dirty="0"/>
+              <a:t>Avro </a:t>
+            </a:r>
+            <a:r>
+              <a:rPr lang="en-US" dirty="0"/>
+              <a:t>protocol</a:t>
+            </a:r>
+            <a:r>
+              <a:rPr lang="en-US" dirty="0" smtClean="0"/>
+              <a:t>,</a:t>
+            </a:r>
+          </a:p>
+          <a:p>
+            <a:pPr lvl="1"/>
+            <a:r>
+              <a:rPr lang="en-US" b="1" dirty="0"/>
+              <a:t>CREATE TABLE </a:t>
+            </a:r>
+            <a:r>
+              <a:rPr lang="en-US" dirty="0" err="1"/>
+              <a:t>kst</a:t>
+            </a:r>
+            <a:endParaRPr lang="en-US" dirty="0"/>
+          </a:p>
+          <a:p>
+            <a:pPr lvl="1"/>
+            <a:r>
+              <a:rPr lang="en-US" dirty="0"/>
+              <a:t>PARTITIONED </a:t>
+            </a:r>
+            <a:r>
+              <a:rPr lang="en-US" b="1" dirty="0"/>
+              <a:t>BY </a:t>
+            </a:r>
+            <a:r>
+              <a:rPr lang="en-US" dirty="0"/>
+              <a:t>(ds string)</a:t>
+            </a:r>
+          </a:p>
+          <a:p>
+            <a:pPr lvl="1"/>
+            <a:r>
+              <a:rPr lang="en-US" b="1" dirty="0"/>
+              <a:t>ROW </a:t>
+            </a:r>
+            <a:r>
+              <a:rPr lang="en-US" dirty="0"/>
+              <a:t>FORMAT SERDE '</a:t>
+            </a:r>
+            <a:r>
+              <a:rPr lang="en-US" dirty="0" err="1"/>
+              <a:t>com.linkedin.haivvreo.AvroSerDe</a:t>
+            </a:r>
+            <a:r>
+              <a:rPr lang="en-US" dirty="0"/>
+              <a:t>'</a:t>
+            </a:r>
+          </a:p>
+          <a:p>
+            <a:pPr lvl="1"/>
+            <a:r>
+              <a:rPr lang="en-US" b="1" dirty="0"/>
+              <a:t>WITH </a:t>
+            </a:r>
+            <a:r>
+              <a:rPr lang="en-US" dirty="0"/>
+              <a:t>SERDEPROPERTIES ('schema.url'='http://schema_provider/kst.avsc')</a:t>
+            </a:r>
+          </a:p>
+          <a:p>
+            <a:pPr lvl="1"/>
+            <a:r>
+              <a:rPr lang="en-US" dirty="0"/>
+              <a:t>STORED </a:t>
+            </a:r>
+            <a:r>
+              <a:rPr lang="en-US" b="1" dirty="0"/>
+              <a:t>AS</a:t>
+            </a:r>
+          </a:p>
+          <a:p>
+            <a:pPr lvl="1"/>
+            <a:r>
+              <a:rPr lang="en-US" dirty="0"/>
+              <a:t>INPUTFORMAT '</a:t>
+            </a:r>
+            <a:r>
+              <a:rPr lang="en-US" dirty="0" err="1"/>
+              <a:t>com.linkedin.haivvreo.AvroContainerInputFormat</a:t>
+            </a:r>
+            <a:r>
+              <a:rPr lang="en-US" dirty="0"/>
+              <a:t>'</a:t>
+            </a:r>
+          </a:p>
+          <a:p>
+            <a:pPr lvl="1"/>
+            <a:r>
+              <a:rPr lang="en-US" dirty="0"/>
+              <a:t>OUTPUTFORMAT '</a:t>
+            </a:r>
+            <a:r>
+              <a:rPr lang="en-US" dirty="0" err="1"/>
+              <a:t>com.linkedin.haivvreo.AvroContainerOutputFormat</a:t>
+            </a:r>
+            <a:r>
+              <a:rPr lang="en-US" dirty="0" smtClean="0"/>
+              <a:t>';</a:t>
+            </a:r>
+          </a:p>
+          <a:p>
+            <a:r>
+              <a:rPr lang="en-US" dirty="0"/>
+              <a:t>The ROW FORMAT SERDE … specifies the </a:t>
+            </a:r>
+            <a:r>
+              <a:rPr lang="en-US" dirty="0" err="1"/>
+              <a:t>SerDe</a:t>
+            </a:r>
+            <a:r>
+              <a:rPr lang="en-US" dirty="0"/>
+              <a:t> to use. Hive provides the WITH </a:t>
+            </a:r>
+            <a:r>
+              <a:rPr lang="en-US" dirty="0" smtClean="0"/>
+              <a:t>SERDEPROPERTIES </a:t>
+            </a:r>
+            <a:r>
+              <a:rPr lang="en-US" dirty="0"/>
+              <a:t>feature that allows users to pass configuration information to the </a:t>
+            </a:r>
+            <a:r>
+              <a:rPr lang="en-US" dirty="0" err="1"/>
+              <a:t>SerDe</a:t>
+            </a:r>
+            <a:r>
+              <a:rPr lang="en-US" dirty="0" smtClean="0"/>
+              <a:t>.</a:t>
+            </a:r>
+          </a:p>
+          <a:p>
+            <a:r>
+              <a:rPr lang="en-US" dirty="0" smtClean="0"/>
+              <a:t>Hive knows </a:t>
+            </a:r>
+            <a:r>
+              <a:rPr lang="en-US" dirty="0"/>
+              <a:t>nothing about the meaning of these properties. It’s up to the </a:t>
+            </a:r>
+            <a:r>
+              <a:rPr lang="en-US" dirty="0" err="1"/>
+              <a:t>SerDe</a:t>
+            </a:r>
+            <a:r>
+              <a:rPr lang="en-US" dirty="0"/>
+              <a:t> to </a:t>
+            </a:r>
+            <a:r>
+              <a:rPr lang="en-US" dirty="0" smtClean="0"/>
+              <a:t>decide their </a:t>
+            </a:r>
+            <a:r>
+              <a:rPr lang="en-US" dirty="0"/>
+              <a:t>meaning. Note that the name and value of each property must be a quoted string</a:t>
+            </a:r>
+            <a:r>
+              <a:rPr lang="en-US" dirty="0" smtClean="0"/>
+              <a:t>.</a:t>
+            </a:r>
+          </a:p>
+          <a:p>
+            <a:r>
+              <a:rPr lang="en-US" dirty="0"/>
+              <a:t>Finally, the STORED AS INPUTFORMAT … OUTPUTFORMAT … clause specifies the Java </a:t>
+            </a:r>
+            <a:r>
+              <a:rPr lang="en-US" dirty="0" smtClean="0"/>
+              <a:t>classes to </a:t>
+            </a:r>
+            <a:r>
+              <a:rPr lang="en-US" dirty="0"/>
+              <a:t>use for the input and output formats, respectively. If you specify one of these </a:t>
+            </a:r>
+            <a:r>
+              <a:rPr lang="en-US" dirty="0" err="1" smtClean="0"/>
+              <a:t>formats,you</a:t>
+            </a:r>
+            <a:r>
+              <a:rPr lang="en-US" dirty="0" smtClean="0"/>
+              <a:t> </a:t>
+            </a:r>
+            <a:r>
+              <a:rPr lang="en-US" dirty="0"/>
+              <a:t>are required to specify both of them</a:t>
+            </a:r>
+            <a:r>
+              <a:rPr lang="en-US" dirty="0" smtClean="0"/>
+              <a:t>.</a:t>
+            </a:r>
+          </a:p>
+          <a:p>
+            <a:r>
+              <a:rPr lang="en-US" dirty="0"/>
+              <a:t>Note that the DESCRIBE EXTENDED table command lists the input and output formats</a:t>
+            </a:r>
+            <a:r>
+              <a:rPr lang="en-US" dirty="0" smtClean="0"/>
+              <a:t>, the </a:t>
+            </a:r>
+            <a:r>
+              <a:rPr lang="en-US" dirty="0" err="1"/>
+              <a:t>SerDe</a:t>
+            </a:r>
+            <a:r>
+              <a:rPr lang="en-US" dirty="0"/>
+              <a:t>, and any </a:t>
+            </a:r>
+            <a:r>
+              <a:rPr lang="en-US" dirty="0" err="1"/>
+              <a:t>SerDe</a:t>
+            </a:r>
+            <a:r>
+              <a:rPr lang="en-US" dirty="0"/>
+              <a:t> properties in the DETAILED TABLE INFORMATION.</a:t>
+            </a:r>
+            <a:endParaRPr lang="en-US" dirty="0" smtClean="0"/>
+          </a:p>
+        </p:txBody>
+      </p:sp>
+    </p:spTree>
+    <p:extLst>
+      <p:ext uri="{BB962C8B-B14F-4D97-AF65-F5344CB8AC3E}">
+        <p14:creationId xmlns:p14="http://schemas.microsoft.com/office/powerpoint/2010/main" val="2267412357"/>
+      </p:ext>
+    </p:extLst>
+  </p:cSld>
+  <p:clrMapOvr>
+    <a:masterClrMapping/>
+  </p:clrMapOvr>
+  <p:timing>
+    <p:tnLst>
+      <p:par>
+        <p:cTn id="1" dur="indefinite" restart="never" nodeType="tmRoot"/>
+      </p:par>
+    </p:tnLst>
+  </p:timing>
+</p:sld>
+</file>
+
+<file path=ppt/slides/slide24.xml><?xml version="1.0" encoding="utf-8"?>
+<p:sld xmlns:a="http://schemas.openxmlformats.org/drawingml/2006/main" xmlns:r="http://schemas.openxmlformats.org/officeDocument/2006/relationships" xmlns:p="http://schemas.openxmlformats.org/presentationml/2006/main">
+  <p:cSld>
+    <p:spTree>
+      <p:nvGrpSpPr>
+        <p:cNvPr id="1" name=""/>
+        <p:cNvGrpSpPr/>
+        <p:nvPr/>
+      </p:nvGrpSpPr>
+      <p:grpSpPr>
+        <a:xfrm>
+          <a:off x="0" y="0"/>
+          <a:ext cx="0" cy="0"/>
+          <a:chOff x="0" y="0"/>
+          <a:chExt cx="0" cy="0"/>
+        </a:xfrm>
+      </p:grpSpPr>
+      <p:sp>
+        <p:nvSpPr>
+          <p:cNvPr id="2" name="Title 1"/>
+          <p:cNvSpPr>
+            <a:spLocks noGrp="1"/>
+          </p:cNvSpPr>
+          <p:nvPr>
+            <p:ph type="title"/>
+          </p:nvPr>
+        </p:nvSpPr>
+        <p:spPr>
+          <a:xfrm>
+            <a:off x="0" y="1"/>
+            <a:ext cx="12192000" cy="791570"/>
+          </a:xfrm>
+        </p:spPr>
+        <p:txBody>
+          <a:bodyPr>
+            <a:normAutofit/>
+          </a:bodyPr>
+          <a:lstStyle/>
+          <a:p>
+            <a:r>
+              <a:rPr lang="en-US" dirty="0" err="1" smtClean="0"/>
+              <a:t>HiveQL</a:t>
+            </a:r>
+            <a:r>
+              <a:rPr lang="en-US" dirty="0" smtClean="0"/>
+              <a:t> – DDL – Table Storage Format</a:t>
+            </a:r>
+            <a:endParaRPr lang="en-US" dirty="0"/>
+          </a:p>
+        </p:txBody>
+      </p:sp>
+      <p:sp>
+        <p:nvSpPr>
+          <p:cNvPr id="3" name="Content Placeholder 2"/>
+          <p:cNvSpPr>
+            <a:spLocks noGrp="1"/>
+          </p:cNvSpPr>
+          <p:nvPr>
+            <p:ph idx="1"/>
+          </p:nvPr>
+        </p:nvSpPr>
+        <p:spPr>
+          <a:xfrm>
+            <a:off x="590550" y="791570"/>
+            <a:ext cx="11601450" cy="6066430"/>
+          </a:xfrm>
+        </p:spPr>
+        <p:txBody>
+          <a:bodyPr>
+            <a:normAutofit/>
+          </a:bodyPr>
+          <a:lstStyle/>
+          <a:p>
+            <a:r>
+              <a:rPr lang="en-US" dirty="0"/>
+              <a:t>Finally, there are a few additional CREATE TABLE clauses that describe more details </a:t>
+            </a:r>
+            <a:r>
+              <a:rPr lang="en-US" dirty="0" smtClean="0"/>
+              <a:t>about how </a:t>
+            </a:r>
+            <a:r>
+              <a:rPr lang="en-US" dirty="0"/>
+              <a:t>the data is supposed to be stored.</a:t>
+            </a:r>
+            <a:endParaRPr lang="en-US" b="1" dirty="0" smtClean="0"/>
+          </a:p>
+          <a:p>
+            <a:pPr lvl="1"/>
+            <a:r>
+              <a:rPr lang="en-US" b="1" dirty="0" smtClean="0"/>
+              <a:t>CREATE </a:t>
+            </a:r>
+            <a:r>
+              <a:rPr lang="en-US" b="1" dirty="0"/>
+              <a:t>EXTERNAL TABLE </a:t>
+            </a:r>
+            <a:r>
+              <a:rPr lang="en-US" dirty="0"/>
+              <a:t>IF </a:t>
+            </a:r>
+            <a:r>
+              <a:rPr lang="en-US" b="1" dirty="0"/>
+              <a:t>NOT EXISTS </a:t>
+            </a:r>
+            <a:r>
+              <a:rPr lang="en-US" dirty="0"/>
+              <a:t>stocks (</a:t>
+            </a:r>
+          </a:p>
+          <a:p>
+            <a:pPr lvl="1"/>
+            <a:r>
+              <a:rPr lang="en-US" dirty="0"/>
+              <a:t>exchange STRING</a:t>
+            </a:r>
+            <a:r>
+              <a:rPr lang="en-US" dirty="0" smtClean="0"/>
+              <a:t>, symbol </a:t>
+            </a:r>
+            <a:r>
+              <a:rPr lang="en-US" dirty="0"/>
+              <a:t>STRING</a:t>
+            </a:r>
+            <a:r>
+              <a:rPr lang="en-US" dirty="0" smtClean="0"/>
+              <a:t>, </a:t>
+            </a:r>
+            <a:r>
+              <a:rPr lang="en-US" dirty="0" err="1" smtClean="0"/>
+              <a:t>ymd</a:t>
+            </a:r>
+            <a:r>
+              <a:rPr lang="en-US" dirty="0" smtClean="0"/>
+              <a:t> </a:t>
+            </a:r>
+            <a:r>
+              <a:rPr lang="en-US" dirty="0"/>
+              <a:t>STRING</a:t>
+            </a:r>
+            <a:r>
+              <a:rPr lang="en-US" dirty="0" smtClean="0"/>
+              <a:t>, </a:t>
+            </a:r>
+            <a:r>
+              <a:rPr lang="en-US" dirty="0" err="1" smtClean="0"/>
+              <a:t>price_open</a:t>
+            </a:r>
+            <a:r>
+              <a:rPr lang="en-US" dirty="0" smtClean="0"/>
+              <a:t> </a:t>
+            </a:r>
+            <a:r>
+              <a:rPr lang="en-US" dirty="0"/>
+              <a:t>FLOAT,</a:t>
+            </a:r>
+          </a:p>
+          <a:p>
+            <a:pPr lvl="1"/>
+            <a:r>
+              <a:rPr lang="en-US" dirty="0" err="1"/>
+              <a:t>price_high</a:t>
+            </a:r>
+            <a:r>
+              <a:rPr lang="en-US" dirty="0"/>
+              <a:t> FLOAT</a:t>
+            </a:r>
+            <a:r>
+              <a:rPr lang="en-US" dirty="0" smtClean="0"/>
+              <a:t>, </a:t>
+            </a:r>
+            <a:r>
+              <a:rPr lang="en-US" dirty="0" err="1" smtClean="0"/>
+              <a:t>price_low</a:t>
+            </a:r>
+            <a:r>
+              <a:rPr lang="en-US" dirty="0" smtClean="0"/>
+              <a:t> </a:t>
+            </a:r>
+            <a:r>
+              <a:rPr lang="en-US" dirty="0"/>
+              <a:t>FLOAT</a:t>
+            </a:r>
+            <a:r>
+              <a:rPr lang="en-US" dirty="0" smtClean="0"/>
+              <a:t>, </a:t>
+            </a:r>
+            <a:r>
+              <a:rPr lang="en-US" dirty="0" err="1" smtClean="0"/>
+              <a:t>price_close</a:t>
+            </a:r>
+            <a:r>
+              <a:rPr lang="en-US" dirty="0" smtClean="0"/>
+              <a:t> </a:t>
+            </a:r>
+            <a:r>
+              <a:rPr lang="en-US" dirty="0"/>
+              <a:t>FLOAT</a:t>
+            </a:r>
+            <a:r>
+              <a:rPr lang="en-US" dirty="0" smtClean="0"/>
+              <a:t>, volume </a:t>
+            </a:r>
+            <a:r>
+              <a:rPr lang="en-US" dirty="0"/>
+              <a:t>INT,</a:t>
+            </a:r>
+          </a:p>
+          <a:p>
+            <a:pPr lvl="1"/>
+            <a:r>
+              <a:rPr lang="en-US" dirty="0" err="1"/>
+              <a:t>price_adj_close</a:t>
+            </a:r>
+            <a:r>
+              <a:rPr lang="en-US" dirty="0"/>
+              <a:t> FLOAT</a:t>
+            </a:r>
+            <a:r>
+              <a:rPr lang="en-US" dirty="0" smtClean="0"/>
+              <a:t>) </a:t>
+            </a:r>
+          </a:p>
+          <a:p>
+            <a:pPr lvl="1"/>
+            <a:r>
+              <a:rPr lang="en-US" b="1" dirty="0" smtClean="0"/>
+              <a:t>CLUSTERED </a:t>
+            </a:r>
+            <a:r>
+              <a:rPr lang="en-US" b="1" dirty="0"/>
+              <a:t>BY (exchange, symbol)</a:t>
+            </a:r>
+          </a:p>
+          <a:p>
+            <a:pPr lvl="1"/>
+            <a:r>
+              <a:rPr lang="en-US" b="1" dirty="0"/>
+              <a:t>SORTED BY (</a:t>
+            </a:r>
+            <a:r>
+              <a:rPr lang="en-US" b="1" dirty="0" err="1"/>
+              <a:t>ymd</a:t>
+            </a:r>
+            <a:r>
+              <a:rPr lang="en-US" b="1" dirty="0"/>
+              <a:t> ASC)</a:t>
+            </a:r>
+          </a:p>
+          <a:p>
+            <a:pPr lvl="1"/>
+            <a:r>
+              <a:rPr lang="en-US" b="1" dirty="0"/>
+              <a:t>INTO 96 BUCKETS</a:t>
+            </a:r>
+          </a:p>
+          <a:p>
+            <a:pPr lvl="1"/>
+            <a:r>
+              <a:rPr lang="en-US" dirty="0"/>
+              <a:t>ROW FORMAT DELIMITED FIELDS TERMINATED BY ','</a:t>
+            </a:r>
+          </a:p>
+          <a:p>
+            <a:pPr lvl="1"/>
+            <a:r>
+              <a:rPr lang="en-US" dirty="0"/>
+              <a:t>LOCATION '/data/stocks</a:t>
+            </a:r>
+            <a:r>
+              <a:rPr lang="en-US" dirty="0" smtClean="0"/>
+              <a:t>';</a:t>
+            </a:r>
+          </a:p>
+          <a:p>
+            <a:r>
+              <a:rPr lang="en-US" dirty="0"/>
+              <a:t>The </a:t>
+            </a:r>
+            <a:r>
+              <a:rPr lang="en-US" sz="2400" dirty="0"/>
+              <a:t>CLUSTERED BY … INTO … BUCKETS </a:t>
+            </a:r>
+            <a:r>
+              <a:rPr lang="en-US" dirty="0"/>
+              <a:t>clause, with an optional </a:t>
+            </a:r>
+            <a:r>
+              <a:rPr lang="en-US" sz="2400" dirty="0"/>
+              <a:t>SORTED BY … </a:t>
+            </a:r>
+            <a:r>
+              <a:rPr lang="en-US" dirty="0"/>
+              <a:t>clause is </a:t>
+            </a:r>
+            <a:r>
+              <a:rPr lang="en-US" dirty="0" smtClean="0"/>
+              <a:t>used to </a:t>
+            </a:r>
+            <a:r>
+              <a:rPr lang="en-US" dirty="0"/>
+              <a:t>optimize certain kinds of </a:t>
+            </a:r>
+            <a:r>
+              <a:rPr lang="en-US" dirty="0" smtClean="0"/>
+              <a:t>queries, we will discuss in bucketing.</a:t>
+            </a:r>
+            <a:endParaRPr lang="en-US" dirty="0"/>
+          </a:p>
+        </p:txBody>
+      </p:sp>
+    </p:spTree>
+    <p:extLst>
+      <p:ext uri="{BB962C8B-B14F-4D97-AF65-F5344CB8AC3E}">
+        <p14:creationId xmlns:p14="http://schemas.microsoft.com/office/powerpoint/2010/main" val="375636963"/>
+      </p:ext>
+    </p:extLst>
+  </p:cSld>
+  <p:clrMapOvr>
+    <a:masterClrMapping/>
+  </p:clrMapOvr>
+  <p:timing>
+    <p:tnLst>
+      <p:par>
+        <p:cTn id="1" dur="indefinite" restart="never" nodeType="tmRoot"/>
+      </p:par>
+    </p:tnLst>
+  </p:timing>
+</p:sld>
+</file>
+
+<file path=ppt/slides/slide25.xml><?xml version="1.0" encoding="utf-8"?>
+<p:sld xmlns:a="http://schemas.openxmlformats.org/drawingml/2006/main" xmlns:r="http://schemas.openxmlformats.org/officeDocument/2006/relationships" xmlns:p="http://schemas.openxmlformats.org/presentationml/2006/main">
+  <p:cSld>
+    <p:spTree>
+      <p:nvGrpSpPr>
+        <p:cNvPr id="1" name=""/>
+        <p:cNvGrpSpPr/>
+        <p:nvPr/>
+      </p:nvGrpSpPr>
+      <p:grpSpPr>
+        <a:xfrm>
+          <a:off x="0" y="0"/>
+          <a:ext cx="0" cy="0"/>
+          <a:chOff x="0" y="0"/>
+          <a:chExt cx="0" cy="0"/>
+        </a:xfrm>
+      </p:grpSpPr>
+      <p:sp>
+        <p:nvSpPr>
+          <p:cNvPr id="2" name="Title 1"/>
+          <p:cNvSpPr>
+            <a:spLocks noGrp="1"/>
+          </p:cNvSpPr>
+          <p:nvPr>
+            <p:ph type="title"/>
+          </p:nvPr>
+        </p:nvSpPr>
+        <p:spPr>
+          <a:xfrm>
+            <a:off x="0" y="1"/>
+            <a:ext cx="12192000" cy="791570"/>
+          </a:xfrm>
+        </p:spPr>
+        <p:txBody>
+          <a:bodyPr>
+            <a:normAutofit/>
+          </a:bodyPr>
+          <a:lstStyle/>
+          <a:p>
+            <a:r>
+              <a:rPr lang="en-US" dirty="0" err="1" smtClean="0"/>
+              <a:t>HiveQL</a:t>
+            </a:r>
+            <a:r>
+              <a:rPr lang="en-US" dirty="0" smtClean="0"/>
+              <a:t> – DDL – Trash feature of Hadoop</a:t>
+            </a:r>
+            <a:endParaRPr lang="en-US" dirty="0"/>
+          </a:p>
+        </p:txBody>
+      </p:sp>
+      <p:sp>
+        <p:nvSpPr>
+          <p:cNvPr id="3" name="Content Placeholder 2"/>
+          <p:cNvSpPr>
+            <a:spLocks noGrp="1"/>
+          </p:cNvSpPr>
+          <p:nvPr>
+            <p:ph idx="1"/>
+          </p:nvPr>
+        </p:nvSpPr>
+        <p:spPr>
+          <a:xfrm>
+            <a:off x="590550" y="791570"/>
+            <a:ext cx="11601450" cy="6066430"/>
+          </a:xfrm>
+        </p:spPr>
+        <p:txBody>
+          <a:bodyPr>
+            <a:normAutofit/>
+          </a:bodyPr>
+          <a:lstStyle/>
+          <a:p>
+            <a:r>
+              <a:rPr lang="en-US" dirty="0"/>
+              <a:t>Dropping Tables – </a:t>
+            </a:r>
+          </a:p>
+          <a:p>
+            <a:pPr lvl="1"/>
+            <a:r>
+              <a:rPr lang="en-US" dirty="0"/>
+              <a:t>For </a:t>
+            </a:r>
+            <a:r>
+              <a:rPr lang="en-US" i="1" dirty="0"/>
+              <a:t>managed </a:t>
+            </a:r>
+            <a:r>
+              <a:rPr lang="en-US" dirty="0"/>
+              <a:t>tables, the table metadata </a:t>
+            </a:r>
+            <a:r>
+              <a:rPr lang="en-US" i="1" dirty="0"/>
+              <a:t>and </a:t>
+            </a:r>
+            <a:r>
+              <a:rPr lang="en-US" dirty="0"/>
+              <a:t>data are deleted</a:t>
+            </a:r>
+            <a:r>
+              <a:rPr lang="en-US" dirty="0" smtClean="0"/>
+              <a:t>.</a:t>
+            </a:r>
+          </a:p>
+          <a:p>
+            <a:pPr lvl="1"/>
+            <a:r>
+              <a:rPr lang="en-US" dirty="0"/>
+              <a:t>For </a:t>
+            </a:r>
+            <a:r>
+              <a:rPr lang="en-US" i="1" dirty="0"/>
+              <a:t>external </a:t>
+            </a:r>
+            <a:r>
+              <a:rPr lang="en-US" dirty="0"/>
+              <a:t>tables, the metadata is deleted </a:t>
+            </a:r>
+            <a:r>
+              <a:rPr lang="en-US" i="1" dirty="0"/>
+              <a:t>but </a:t>
+            </a:r>
+            <a:r>
+              <a:rPr lang="en-US" dirty="0"/>
+              <a:t>the data is not</a:t>
+            </a:r>
+            <a:r>
+              <a:rPr lang="en-US" dirty="0" smtClean="0"/>
+              <a:t>.</a:t>
+            </a:r>
+            <a:endParaRPr lang="en-US" dirty="0"/>
+          </a:p>
+          <a:p>
+            <a:r>
+              <a:rPr lang="en-US" dirty="0"/>
+              <a:t>if you enable the Hadoop Trash feature, which is </a:t>
+            </a:r>
+            <a:r>
+              <a:rPr lang="en-US" i="1" dirty="0"/>
+              <a:t>not </a:t>
+            </a:r>
+            <a:r>
+              <a:rPr lang="en-US" dirty="0"/>
+              <a:t>on </a:t>
+            </a:r>
+            <a:r>
+              <a:rPr lang="en-US" dirty="0" smtClean="0"/>
+              <a:t>by default</a:t>
+            </a:r>
+            <a:r>
+              <a:rPr lang="en-US" dirty="0"/>
+              <a:t>, the data is moved to the </a:t>
+            </a:r>
+            <a:r>
+              <a:rPr lang="en-US" i="1" dirty="0"/>
+              <a:t>.Trash </a:t>
+            </a:r>
+            <a:r>
+              <a:rPr lang="en-US" dirty="0"/>
+              <a:t>directory in the </a:t>
+            </a:r>
+            <a:r>
+              <a:rPr lang="en-US" dirty="0" smtClean="0"/>
+              <a:t>distributed </a:t>
+            </a:r>
+            <a:r>
+              <a:rPr lang="en-US" dirty="0" err="1" smtClean="0"/>
+              <a:t>filesystem</a:t>
+            </a:r>
+            <a:r>
+              <a:rPr lang="en-US" dirty="0" smtClean="0"/>
+              <a:t> </a:t>
+            </a:r>
+            <a:r>
+              <a:rPr lang="en-US" dirty="0"/>
+              <a:t>for the user, which in HDFS is </a:t>
+            </a:r>
+            <a:r>
+              <a:rPr lang="en-US" i="1" dirty="0"/>
+              <a:t>/user/$USER/.Trash</a:t>
+            </a:r>
+            <a:r>
+              <a:rPr lang="en-US" dirty="0" smtClean="0"/>
+              <a:t>.</a:t>
+            </a:r>
+          </a:p>
+          <a:p>
+            <a:r>
+              <a:rPr lang="en-US" dirty="0"/>
+              <a:t>To </a:t>
+            </a:r>
+            <a:r>
+              <a:rPr lang="en-US" dirty="0" smtClean="0"/>
+              <a:t>enable this </a:t>
+            </a:r>
+            <a:r>
+              <a:rPr lang="en-US" dirty="0"/>
+              <a:t>feature, set the property </a:t>
+            </a:r>
+            <a:r>
+              <a:rPr lang="en-US" dirty="0" err="1"/>
+              <a:t>fs.trash.interval</a:t>
+            </a:r>
+            <a:r>
+              <a:rPr lang="en-US" dirty="0"/>
+              <a:t> to a reasonable </a:t>
+            </a:r>
+            <a:r>
+              <a:rPr lang="en-US" dirty="0" smtClean="0"/>
+              <a:t>positive number</a:t>
+            </a:r>
+            <a:r>
+              <a:rPr lang="en-US" dirty="0"/>
+              <a:t>. It’s the number of minutes between “trash checkpoints”; </a:t>
+            </a:r>
+            <a:r>
+              <a:rPr lang="en-US" dirty="0" smtClean="0"/>
+              <a:t>1,440 would </a:t>
+            </a:r>
+            <a:r>
+              <a:rPr lang="en-US" dirty="0"/>
+              <a:t>be 24 </a:t>
+            </a:r>
+            <a:r>
+              <a:rPr lang="en-US" dirty="0" smtClean="0"/>
+              <a:t>hours.</a:t>
+            </a:r>
+          </a:p>
+          <a:p>
+            <a:r>
+              <a:rPr lang="en-US" dirty="0"/>
+              <a:t>if you accidentally drop a managed table </a:t>
+            </a:r>
+            <a:r>
+              <a:rPr lang="en-US" dirty="0" smtClean="0"/>
+              <a:t>with important </a:t>
+            </a:r>
+            <a:r>
+              <a:rPr lang="en-US" dirty="0"/>
+              <a:t>data, you may be able to re-create the table, re-create </a:t>
+            </a:r>
+            <a:r>
+              <a:rPr lang="en-US" dirty="0" smtClean="0"/>
+              <a:t>any partitions</a:t>
+            </a:r>
+            <a:r>
+              <a:rPr lang="en-US" dirty="0"/>
+              <a:t>, and then move the files from </a:t>
+            </a:r>
+            <a:r>
+              <a:rPr lang="en-US" i="1" dirty="0"/>
+              <a:t>.Trash </a:t>
+            </a:r>
+            <a:r>
+              <a:rPr lang="en-US" dirty="0"/>
+              <a:t>to the correct </a:t>
+            </a:r>
+            <a:r>
+              <a:rPr lang="en-US" dirty="0" smtClean="0"/>
+              <a:t>directories (</a:t>
+            </a:r>
+            <a:r>
+              <a:rPr lang="en-US" dirty="0"/>
+              <a:t>using the </a:t>
+            </a:r>
+            <a:r>
+              <a:rPr lang="en-US" dirty="0" err="1"/>
+              <a:t>filesystem</a:t>
+            </a:r>
+            <a:r>
+              <a:rPr lang="en-US" dirty="0"/>
+              <a:t> commands) to restore the data</a:t>
+            </a:r>
+            <a:r>
+              <a:rPr lang="en-US" dirty="0" smtClean="0"/>
+              <a:t>.</a:t>
+            </a:r>
+          </a:p>
+        </p:txBody>
+      </p:sp>
+    </p:spTree>
+    <p:extLst>
+      <p:ext uri="{BB962C8B-B14F-4D97-AF65-F5344CB8AC3E}">
+        <p14:creationId xmlns:p14="http://schemas.microsoft.com/office/powerpoint/2010/main" val="2502983221"/>
+      </p:ext>
+    </p:extLst>
+  </p:cSld>
+  <p:clrMapOvr>
+    <a:masterClrMapping/>
+  </p:clrMapOvr>
+  <p:timing>
+    <p:tnLst>
+      <p:par>
+        <p:cTn id="1" dur="indefinite" restart="never" nodeType="tmRoot"/>
+      </p:par>
+    </p:tnLst>
+  </p:timing>
+</p:sld>
+</file>
+
+<file path=ppt/slides/slide26.xml><?xml version="1.0" encoding="utf-8"?>
+<p:sld xmlns:a="http://schemas.openxmlformats.org/drawingml/2006/main" xmlns:r="http://schemas.openxmlformats.org/officeDocument/2006/relationships" xmlns:p="http://schemas.openxmlformats.org/presentationml/2006/main">
+  <p:cSld>
+    <p:spTree>
+      <p:nvGrpSpPr>
+        <p:cNvPr id="1" name=""/>
+        <p:cNvGrpSpPr/>
+        <p:nvPr/>
+      </p:nvGrpSpPr>
+      <p:grpSpPr>
+        <a:xfrm>
+          <a:off x="0" y="0"/>
+          <a:ext cx="0" cy="0"/>
+          <a:chOff x="0" y="0"/>
+          <a:chExt cx="0" cy="0"/>
+        </a:xfrm>
+      </p:grpSpPr>
+      <p:sp>
+        <p:nvSpPr>
+          <p:cNvPr id="2" name="Title 1"/>
+          <p:cNvSpPr>
+            <a:spLocks noGrp="1"/>
+          </p:cNvSpPr>
+          <p:nvPr>
+            <p:ph type="title"/>
+          </p:nvPr>
+        </p:nvSpPr>
+        <p:spPr>
+          <a:xfrm>
+            <a:off x="0" y="1"/>
+            <a:ext cx="12192000" cy="791570"/>
+          </a:xfrm>
+        </p:spPr>
+        <p:txBody>
+          <a:bodyPr>
+            <a:normAutofit/>
+          </a:bodyPr>
+          <a:lstStyle/>
+          <a:p>
+            <a:r>
+              <a:rPr lang="en-US" dirty="0" err="1" smtClean="0"/>
+              <a:t>HiveQL</a:t>
+            </a:r>
+            <a:r>
+              <a:rPr lang="en-US" dirty="0" smtClean="0"/>
+              <a:t> – DDL – Alter table</a:t>
+            </a:r>
+            <a:endParaRPr lang="en-US" dirty="0"/>
+          </a:p>
+        </p:txBody>
+      </p:sp>
+      <p:sp>
+        <p:nvSpPr>
+          <p:cNvPr id="3" name="Content Placeholder 2"/>
+          <p:cNvSpPr>
+            <a:spLocks noGrp="1"/>
+          </p:cNvSpPr>
+          <p:nvPr>
+            <p:ph idx="1"/>
+          </p:nvPr>
+        </p:nvSpPr>
+        <p:spPr>
+          <a:xfrm>
+            <a:off x="590550" y="791570"/>
+            <a:ext cx="11601450" cy="6066430"/>
+          </a:xfrm>
+        </p:spPr>
+        <p:txBody>
+          <a:bodyPr>
+            <a:normAutofit fontScale="92500" lnSpcReduction="10000"/>
+          </a:bodyPr>
+          <a:lstStyle/>
+          <a:p>
+            <a:r>
+              <a:rPr lang="en-US" dirty="0"/>
+              <a:t>ALTER TABLE modifies table metadata </a:t>
+            </a:r>
+            <a:r>
+              <a:rPr lang="en-US" i="1" dirty="0"/>
+              <a:t>only, </a:t>
+            </a:r>
+            <a:r>
+              <a:rPr lang="en-US" dirty="0"/>
+              <a:t>data is not </a:t>
+            </a:r>
+            <a:r>
+              <a:rPr lang="en-US" dirty="0" smtClean="0"/>
+              <a:t>changed. This is used to fix mistakes in schema, move partition location and other ops.</a:t>
+            </a:r>
+          </a:p>
+          <a:p>
+            <a:r>
+              <a:rPr lang="en-US" dirty="0"/>
+              <a:t>The data for the table </a:t>
+            </a:r>
+            <a:r>
+              <a:rPr lang="en-US" dirty="0" smtClean="0"/>
+              <a:t>is untouched.</a:t>
+            </a:r>
+          </a:p>
+          <a:p>
+            <a:r>
+              <a:rPr lang="en-US" dirty="0"/>
+              <a:t>Renaming a </a:t>
+            </a:r>
+            <a:r>
+              <a:rPr lang="en-US" dirty="0" smtClean="0"/>
+              <a:t>Table - </a:t>
+            </a:r>
+            <a:r>
+              <a:rPr lang="en-US" b="1" dirty="0"/>
+              <a:t>ALTER TABLE </a:t>
+            </a:r>
+            <a:r>
+              <a:rPr lang="en-US" dirty="0" err="1"/>
+              <a:t>log_messages</a:t>
+            </a:r>
+            <a:r>
+              <a:rPr lang="en-US" dirty="0"/>
+              <a:t> </a:t>
+            </a:r>
+            <a:r>
+              <a:rPr lang="en-US" b="1" dirty="0"/>
+              <a:t>RENAME TO </a:t>
+            </a:r>
+            <a:r>
+              <a:rPr lang="en-US" dirty="0" err="1"/>
+              <a:t>logmsgs</a:t>
+            </a:r>
+            <a:r>
+              <a:rPr lang="en-US" dirty="0" smtClean="0"/>
+              <a:t>;</a:t>
+            </a:r>
+          </a:p>
+          <a:p>
+            <a:r>
+              <a:rPr lang="en-US" dirty="0"/>
+              <a:t>Adding, Modifying, and Dropping a Table </a:t>
+            </a:r>
+            <a:r>
+              <a:rPr lang="en-US" dirty="0" smtClean="0"/>
+              <a:t>Partition:</a:t>
+            </a:r>
+          </a:p>
+          <a:p>
+            <a:r>
+              <a:rPr lang="en-US" dirty="0" smtClean="0"/>
+              <a:t>Adding multiple partitions:</a:t>
+            </a:r>
+          </a:p>
+          <a:p>
+            <a:pPr lvl="1"/>
+            <a:r>
+              <a:rPr lang="en-US" dirty="0"/>
+              <a:t>ALTER TABLE </a:t>
+            </a:r>
+            <a:r>
+              <a:rPr lang="en-US" dirty="0" err="1"/>
+              <a:t>log_messages</a:t>
+            </a:r>
+            <a:r>
+              <a:rPr lang="en-US" dirty="0"/>
+              <a:t> ADD IF NOT EXISTS</a:t>
+            </a:r>
+          </a:p>
+          <a:p>
+            <a:pPr lvl="1"/>
+            <a:r>
+              <a:rPr lang="en-US" dirty="0"/>
+              <a:t>PARTITION (year = 2011, month = 1, day = 1) LOCATION '/logs/2011/01/01'</a:t>
+            </a:r>
+          </a:p>
+          <a:p>
+            <a:pPr lvl="1"/>
+            <a:r>
+              <a:rPr lang="en-US" dirty="0"/>
+              <a:t>PARTITION (year = 2011, month = 1, day = 2) LOCATION '/logs/2011/01/02'</a:t>
+            </a:r>
+          </a:p>
+          <a:p>
+            <a:r>
+              <a:rPr lang="en-US" dirty="0" smtClean="0"/>
+              <a:t>Change partition location, </a:t>
+            </a:r>
+            <a:r>
+              <a:rPr lang="en-US" dirty="0" err="1" smtClean="0"/>
+              <a:t>i</a:t>
+            </a:r>
+            <a:r>
+              <a:rPr lang="en-US" dirty="0" smtClean="0"/>
+              <a:t>,.e you are moving the partition location.</a:t>
+            </a:r>
+          </a:p>
+          <a:p>
+            <a:pPr lvl="1"/>
+            <a:r>
+              <a:rPr lang="en-US" dirty="0"/>
+              <a:t>ALTER TABLE </a:t>
+            </a:r>
+            <a:r>
+              <a:rPr lang="en-US" dirty="0" err="1"/>
+              <a:t>log_messages</a:t>
+            </a:r>
+            <a:r>
+              <a:rPr lang="en-US" dirty="0"/>
+              <a:t> PARTITION(year = 2011, month = 12, day = 2)</a:t>
+            </a:r>
+          </a:p>
+          <a:p>
+            <a:pPr lvl="1"/>
+            <a:r>
+              <a:rPr lang="en-US" dirty="0"/>
+              <a:t>SET LOCATION 's3n://</a:t>
+            </a:r>
+            <a:r>
+              <a:rPr lang="en-US" dirty="0" err="1"/>
+              <a:t>ourbucket</a:t>
+            </a:r>
+            <a:r>
+              <a:rPr lang="en-US" dirty="0"/>
+              <a:t>/logs/2011/01/02</a:t>
+            </a:r>
+            <a:r>
+              <a:rPr lang="en-US" dirty="0" smtClean="0"/>
+              <a:t>';</a:t>
+            </a:r>
+          </a:p>
+          <a:p>
+            <a:pPr lvl="1"/>
+            <a:r>
+              <a:rPr lang="en-US" dirty="0"/>
+              <a:t>This command does not move the data from the old location, nor does it delete the </a:t>
+            </a:r>
+            <a:r>
+              <a:rPr lang="en-US" dirty="0" smtClean="0"/>
+              <a:t>old data.</a:t>
+            </a:r>
+          </a:p>
+          <a:p>
+            <a:r>
+              <a:rPr lang="en-US" dirty="0"/>
+              <a:t>you can drop a partition</a:t>
+            </a:r>
+            <a:r>
+              <a:rPr lang="en-US" smtClean="0"/>
+              <a:t>: </a:t>
+            </a:r>
+          </a:p>
+          <a:p>
+            <a:pPr lvl="1"/>
+            <a:r>
+              <a:rPr lang="en-US" b="1" smtClean="0"/>
+              <a:t>ALTER </a:t>
+            </a:r>
+            <a:r>
+              <a:rPr lang="en-US" b="1" dirty="0"/>
+              <a:t>TABLE </a:t>
+            </a:r>
+            <a:r>
+              <a:rPr lang="en-US" dirty="0" err="1"/>
+              <a:t>log_messages</a:t>
+            </a:r>
+            <a:r>
+              <a:rPr lang="en-US" dirty="0"/>
+              <a:t> </a:t>
+            </a:r>
+            <a:r>
+              <a:rPr lang="en-US" b="1" dirty="0"/>
+              <a:t>DROP </a:t>
+            </a:r>
+            <a:r>
+              <a:rPr lang="en-US" dirty="0"/>
+              <a:t>IF </a:t>
+            </a:r>
+            <a:r>
+              <a:rPr lang="en-US" b="1" dirty="0"/>
+              <a:t>EXISTS </a:t>
+            </a:r>
+            <a:r>
+              <a:rPr lang="en-US" dirty="0"/>
+              <a:t>PARTITION(</a:t>
+            </a:r>
+            <a:r>
+              <a:rPr lang="en-US" b="1" dirty="0"/>
+              <a:t>year </a:t>
+            </a:r>
+            <a:r>
+              <a:rPr lang="en-US" dirty="0"/>
+              <a:t>= 2011, </a:t>
+            </a:r>
+            <a:r>
+              <a:rPr lang="en-US" b="1" dirty="0"/>
+              <a:t>month </a:t>
+            </a:r>
+            <a:r>
+              <a:rPr lang="en-US" dirty="0"/>
+              <a:t>= 12, </a:t>
+            </a:r>
+            <a:r>
+              <a:rPr lang="en-US" b="1" dirty="0"/>
+              <a:t>day </a:t>
+            </a:r>
+            <a:r>
+              <a:rPr lang="en-US" dirty="0"/>
+              <a:t>= 2);</a:t>
+            </a:r>
+            <a:endParaRPr lang="en-US" dirty="0" smtClean="0"/>
+          </a:p>
+        </p:txBody>
+      </p:sp>
+    </p:spTree>
+    <p:extLst>
+      <p:ext uri="{BB962C8B-B14F-4D97-AF65-F5344CB8AC3E}">
+        <p14:creationId xmlns:p14="http://schemas.microsoft.com/office/powerpoint/2010/main" val="305018061"/>
+      </p:ext>
+    </p:extLst>
+  </p:cSld>
+  <p:clrMapOvr>
+    <a:masterClrMapping/>
+  </p:clrMapOvr>
+  <p:timing>
+    <p:tnLst>
+      <p:par>
+        <p:cTn id="1" dur="indefinite" restart="never" nodeType="tmRoot"/>
+      </p:par>
+    </p:tnLst>
+  </p:timing>
+</p:sld>
+</file>
+
+<file path=ppt/slides/slide27.xml><?xml version="1.0" encoding="utf-8"?>
+<p:sld xmlns:a="http://schemas.openxmlformats.org/drawingml/2006/main" xmlns:r="http://schemas.openxmlformats.org/officeDocument/2006/relationships" xmlns:p="http://schemas.openxmlformats.org/presentationml/2006/main">
+  <p:cSld>
+    <p:spTree>
+      <p:nvGrpSpPr>
+        <p:cNvPr id="1" name=""/>
+        <p:cNvGrpSpPr/>
+        <p:nvPr/>
+      </p:nvGrpSpPr>
+      <p:grpSpPr>
+        <a:xfrm>
+          <a:off x="0" y="0"/>
+          <a:ext cx="0" cy="0"/>
+          <a:chOff x="0" y="0"/>
+          <a:chExt cx="0" cy="0"/>
+        </a:xfrm>
+      </p:grpSpPr>
+      <p:sp>
+        <p:nvSpPr>
+          <p:cNvPr id="2" name="Title 1"/>
+          <p:cNvSpPr>
+            <a:spLocks noGrp="1"/>
+          </p:cNvSpPr>
+          <p:nvPr>
+            <p:ph type="title"/>
+          </p:nvPr>
+        </p:nvSpPr>
+        <p:spPr>
+          <a:xfrm>
+            <a:off x="0" y="1"/>
+            <a:ext cx="12192000" cy="791570"/>
+          </a:xfrm>
+        </p:spPr>
+        <p:txBody>
+          <a:bodyPr>
+            <a:normAutofit/>
+          </a:bodyPr>
+          <a:lstStyle/>
+          <a:p>
+            <a:r>
+              <a:rPr lang="en-US" dirty="0" err="1" smtClean="0"/>
+              <a:t>HiveQL</a:t>
+            </a:r>
+            <a:r>
+              <a:rPr lang="en-US" dirty="0" smtClean="0"/>
+              <a:t> – DDL – Alter table</a:t>
+            </a:r>
+            <a:endParaRPr lang="en-US" dirty="0"/>
+          </a:p>
+        </p:txBody>
+      </p:sp>
+      <p:sp>
+        <p:nvSpPr>
+          <p:cNvPr id="3" name="Content Placeholder 2"/>
+          <p:cNvSpPr>
+            <a:spLocks noGrp="1"/>
+          </p:cNvSpPr>
+          <p:nvPr>
+            <p:ph idx="1"/>
+          </p:nvPr>
+        </p:nvSpPr>
+        <p:spPr>
+          <a:xfrm>
+            <a:off x="590550" y="791570"/>
+            <a:ext cx="11601450" cy="6066430"/>
+          </a:xfrm>
+        </p:spPr>
+        <p:txBody>
+          <a:bodyPr>
+            <a:normAutofit/>
+          </a:bodyPr>
+          <a:lstStyle/>
+          <a:p>
+            <a:r>
+              <a:rPr lang="en-US" dirty="0" smtClean="0"/>
+              <a:t>Change columns- You can </a:t>
+            </a:r>
+            <a:r>
+              <a:rPr lang="en-US" dirty="0" err="1" smtClean="0"/>
+              <a:t>rename,change</a:t>
+            </a:r>
+            <a:r>
+              <a:rPr lang="en-US" dirty="0" smtClean="0"/>
+              <a:t> its position, type and comments:</a:t>
+            </a:r>
+          </a:p>
+          <a:p>
+            <a:pPr lvl="1"/>
+            <a:r>
+              <a:rPr lang="en-US" dirty="0"/>
+              <a:t>ALTER TABLE </a:t>
+            </a:r>
+            <a:r>
+              <a:rPr lang="en-US" dirty="0" err="1" smtClean="0"/>
+              <a:t>log_messages</a:t>
+            </a:r>
+            <a:r>
+              <a:rPr lang="en-US" dirty="0" smtClean="0"/>
+              <a:t> CHANGE </a:t>
+            </a:r>
+            <a:r>
+              <a:rPr lang="en-US" dirty="0"/>
+              <a:t>COLUMN </a:t>
+            </a:r>
+            <a:r>
+              <a:rPr lang="en-US" b="1" dirty="0" err="1"/>
+              <a:t>hms</a:t>
+            </a:r>
+            <a:r>
+              <a:rPr lang="en-US" dirty="0"/>
+              <a:t> </a:t>
+            </a:r>
+            <a:r>
+              <a:rPr lang="en-US" dirty="0" err="1"/>
+              <a:t>hours_minutes_seconds</a:t>
+            </a:r>
+            <a:r>
+              <a:rPr lang="en-US" dirty="0"/>
+              <a:t> </a:t>
+            </a:r>
+            <a:r>
+              <a:rPr lang="en-US" dirty="0" smtClean="0"/>
+              <a:t>INT COMMENT </a:t>
+            </a:r>
+            <a:r>
+              <a:rPr lang="en-US" dirty="0"/>
+              <a:t>'The hours, minutes, and seconds part of the </a:t>
+            </a:r>
+            <a:r>
+              <a:rPr lang="en-US" dirty="0" smtClean="0"/>
+              <a:t>timestamp‘ </a:t>
+            </a:r>
+            <a:r>
+              <a:rPr lang="en-US" b="1" dirty="0" smtClean="0"/>
+              <a:t>AFTER</a:t>
+            </a:r>
+            <a:r>
+              <a:rPr lang="en-US" dirty="0" smtClean="0"/>
+              <a:t> </a:t>
+            </a:r>
+            <a:r>
+              <a:rPr lang="en-US" dirty="0"/>
+              <a:t>severity</a:t>
+            </a:r>
+            <a:r>
+              <a:rPr lang="en-US" dirty="0" smtClean="0"/>
+              <a:t>;</a:t>
+            </a:r>
+          </a:p>
+          <a:p>
+            <a:pPr lvl="1"/>
+            <a:r>
+              <a:rPr lang="en-US" dirty="0" smtClean="0"/>
+              <a:t>We need to specify, old name, new name, new type, new comment and AFTER other column to move the column. To move col to first use FIRST instead of AFTER.</a:t>
+            </a:r>
+          </a:p>
+          <a:p>
+            <a:pPr lvl="1"/>
+            <a:r>
+              <a:rPr lang="en-US" dirty="0" smtClean="0"/>
+              <a:t>Note that always this command changes metadata only. Make sure that the data must match new schema or you change it to match by some other means.</a:t>
+            </a:r>
+          </a:p>
+          <a:p>
+            <a:r>
+              <a:rPr lang="en-US" dirty="0" smtClean="0"/>
+              <a:t>Add columns – </a:t>
+            </a:r>
+          </a:p>
+          <a:p>
+            <a:pPr lvl="1"/>
+            <a:r>
+              <a:rPr lang="en-US" dirty="0" smtClean="0"/>
+              <a:t>you can add cols to end of existing cols, and before any partition columns</a:t>
+            </a:r>
+          </a:p>
+          <a:p>
+            <a:pPr lvl="1"/>
+            <a:r>
+              <a:rPr lang="en-US" b="1" dirty="0"/>
+              <a:t>ALTER TABLE </a:t>
+            </a:r>
+            <a:r>
+              <a:rPr lang="en-US" dirty="0" err="1"/>
+              <a:t>log_messages</a:t>
+            </a:r>
+            <a:r>
+              <a:rPr lang="en-US" dirty="0"/>
+              <a:t> </a:t>
+            </a:r>
+            <a:r>
+              <a:rPr lang="en-US" b="1" dirty="0"/>
+              <a:t>ADD </a:t>
+            </a:r>
+            <a:r>
+              <a:rPr lang="en-US" dirty="0"/>
+              <a:t>COLUMNS (</a:t>
+            </a:r>
+          </a:p>
+          <a:p>
+            <a:pPr lvl="1"/>
+            <a:r>
+              <a:rPr lang="en-US" dirty="0" err="1"/>
+              <a:t>app_name</a:t>
+            </a:r>
+            <a:r>
+              <a:rPr lang="en-US" dirty="0"/>
+              <a:t> STRING </a:t>
+            </a:r>
+            <a:r>
+              <a:rPr lang="en-US" b="1" dirty="0"/>
+              <a:t>COMMENT </a:t>
+            </a:r>
+            <a:r>
+              <a:rPr lang="en-US" dirty="0"/>
+              <a:t>'Application name',</a:t>
+            </a:r>
+          </a:p>
+          <a:p>
+            <a:pPr lvl="1"/>
+            <a:r>
+              <a:rPr lang="en-US" dirty="0" err="1"/>
+              <a:t>session_id</a:t>
+            </a:r>
+            <a:r>
+              <a:rPr lang="en-US" dirty="0"/>
+              <a:t> LONG </a:t>
+            </a:r>
+            <a:r>
+              <a:rPr lang="en-US" b="1" dirty="0"/>
+              <a:t>COMMENT </a:t>
+            </a:r>
+            <a:r>
+              <a:rPr lang="en-US" dirty="0"/>
+              <a:t>'The current session id</a:t>
+            </a:r>
+            <a:r>
+              <a:rPr lang="en-US" dirty="0" smtClean="0"/>
+              <a:t>');</a:t>
+            </a:r>
+          </a:p>
+          <a:p>
+            <a:pPr lvl="1"/>
+            <a:r>
+              <a:rPr lang="en-US" dirty="0" smtClean="0"/>
+              <a:t>Any col in wrong position, use ALTER COLUMN table CHANGE COLUMN </a:t>
+            </a:r>
+            <a:r>
+              <a:rPr lang="en-US" dirty="0" err="1" smtClean="0"/>
+              <a:t>stmt</a:t>
+            </a:r>
+            <a:r>
+              <a:rPr lang="en-US" dirty="0" smtClean="0"/>
+              <a:t> to move.</a:t>
+            </a:r>
+          </a:p>
+          <a:p>
+            <a:r>
+              <a:rPr lang="en-US" dirty="0"/>
+              <a:t>Deleting or Replacing </a:t>
+            </a:r>
+            <a:r>
+              <a:rPr lang="en-US" dirty="0" smtClean="0"/>
+              <a:t>Columns –</a:t>
+            </a:r>
+          </a:p>
+          <a:p>
+            <a:pPr lvl="1"/>
+            <a:r>
+              <a:rPr lang="en-US" dirty="0" smtClean="0"/>
+              <a:t>REPLACE removes all exiting cols and replaces with the new cols specified</a:t>
+            </a:r>
+            <a:endParaRPr lang="en-US" dirty="0" smtClean="0"/>
+          </a:p>
+        </p:txBody>
+      </p:sp>
+    </p:spTree>
+    <p:extLst>
+      <p:ext uri="{BB962C8B-B14F-4D97-AF65-F5344CB8AC3E}">
+        <p14:creationId xmlns:p14="http://schemas.microsoft.com/office/powerpoint/2010/main" val="2364971115"/>
+      </p:ext>
+    </p:extLst>
+  </p:cSld>
+  <p:clrMapOvr>
+    <a:masterClrMapping/>
+  </p:clrMapOvr>
+  <p:timing>
+    <p:tnLst>
+      <p:par>
+        <p:cTn id="1" dur="indefinite" restart="never" nodeType="tmRoot"/>
+      </p:par>
+    </p:tnLst>
+  </p:timing>
+</p:sld>
+</file>
+
+<file path=ppt/slides/slide28.xml><?xml version="1.0" encoding="utf-8"?>
+<p:sld xmlns:a="http://schemas.openxmlformats.org/drawingml/2006/main" xmlns:r="http://schemas.openxmlformats.org/officeDocument/2006/relationships" xmlns:p="http://schemas.openxmlformats.org/presentationml/2006/main">
+  <p:cSld>
+    <p:spTree>
+      <p:nvGrpSpPr>
+        <p:cNvPr id="1" name=""/>
+        <p:cNvGrpSpPr/>
+        <p:nvPr/>
+      </p:nvGrpSpPr>
+      <p:grpSpPr>
+        <a:xfrm>
+          <a:off x="0" y="0"/>
+          <a:ext cx="0" cy="0"/>
+          <a:chOff x="0" y="0"/>
+          <a:chExt cx="0" cy="0"/>
+        </a:xfrm>
+      </p:grpSpPr>
+      <p:sp>
+        <p:nvSpPr>
+          <p:cNvPr id="2" name="Title 1"/>
+          <p:cNvSpPr>
+            <a:spLocks noGrp="1"/>
+          </p:cNvSpPr>
+          <p:nvPr>
+            <p:ph type="title"/>
+          </p:nvPr>
+        </p:nvSpPr>
+        <p:spPr>
+          <a:xfrm>
+            <a:off x="0" y="1"/>
+            <a:ext cx="12192000" cy="791570"/>
+          </a:xfrm>
+        </p:spPr>
+        <p:txBody>
+          <a:bodyPr>
+            <a:normAutofit/>
+          </a:bodyPr>
+          <a:lstStyle/>
+          <a:p>
+            <a:r>
+              <a:rPr lang="en-US" dirty="0" err="1" smtClean="0"/>
+              <a:t>HiveQL</a:t>
+            </a:r>
+            <a:r>
+              <a:rPr lang="en-US" dirty="0" smtClean="0"/>
+              <a:t> – DDL – Alter table</a:t>
+            </a:r>
+            <a:endParaRPr lang="en-US" dirty="0"/>
+          </a:p>
+        </p:txBody>
+      </p:sp>
+      <p:sp>
+        <p:nvSpPr>
+          <p:cNvPr id="3" name="Content Placeholder 2"/>
+          <p:cNvSpPr>
+            <a:spLocks noGrp="1"/>
+          </p:cNvSpPr>
+          <p:nvPr>
+            <p:ph idx="1"/>
+          </p:nvPr>
+        </p:nvSpPr>
+        <p:spPr>
+          <a:xfrm>
+            <a:off x="590550" y="791570"/>
+            <a:ext cx="11601450" cy="6066430"/>
+          </a:xfrm>
+        </p:spPr>
+        <p:txBody>
+          <a:bodyPr>
+            <a:normAutofit lnSpcReduction="10000"/>
+          </a:bodyPr>
+          <a:lstStyle/>
+          <a:p>
+            <a:pPr lvl="1"/>
+            <a:r>
+              <a:rPr lang="en-US" dirty="0"/>
+              <a:t>ALTER TABLE </a:t>
+            </a:r>
+            <a:r>
+              <a:rPr lang="en-US" dirty="0" err="1"/>
+              <a:t>log_messages</a:t>
+            </a:r>
+            <a:r>
+              <a:rPr lang="en-US" dirty="0"/>
+              <a:t> REPLACE COLUMNS (</a:t>
+            </a:r>
+          </a:p>
+          <a:p>
+            <a:pPr lvl="1"/>
+            <a:r>
+              <a:rPr lang="en-US" dirty="0" err="1"/>
+              <a:t>hours_mins_secs</a:t>
+            </a:r>
+            <a:r>
+              <a:rPr lang="en-US" dirty="0"/>
+              <a:t> INT COMMENT 'hour, minute, seconds from timestamp',</a:t>
+            </a:r>
+          </a:p>
+          <a:p>
+            <a:pPr lvl="1"/>
+            <a:r>
+              <a:rPr lang="en-US" dirty="0"/>
+              <a:t>severity STRING COMMENT 'The message severity'</a:t>
+            </a:r>
+          </a:p>
+          <a:p>
+            <a:pPr lvl="1"/>
+            <a:r>
+              <a:rPr lang="en-US" dirty="0"/>
+              <a:t>message STRING COMMENT 'The rest of the message</a:t>
+            </a:r>
+            <a:r>
+              <a:rPr lang="en-US" dirty="0" smtClean="0"/>
+              <a:t>');</a:t>
+            </a:r>
+          </a:p>
+          <a:p>
+            <a:pPr lvl="1"/>
+            <a:r>
+              <a:rPr lang="en-US" dirty="0"/>
+              <a:t>The </a:t>
+            </a:r>
+            <a:r>
+              <a:rPr lang="en-US" sz="2000" dirty="0"/>
+              <a:t>REPLACE </a:t>
+            </a:r>
+            <a:r>
+              <a:rPr lang="en-US" dirty="0"/>
+              <a:t>statement can only be used with </a:t>
+            </a:r>
+            <a:r>
+              <a:rPr lang="en-US" dirty="0" smtClean="0"/>
+              <a:t>tables </a:t>
+            </a:r>
+            <a:r>
+              <a:rPr lang="en-US" dirty="0"/>
+              <a:t>that use one of the native </a:t>
+            </a:r>
+            <a:r>
+              <a:rPr lang="en-US" i="1" dirty="0" err="1" smtClean="0"/>
+              <a:t>SerDe</a:t>
+            </a:r>
+            <a:r>
+              <a:rPr lang="en-US" i="1" dirty="0" smtClean="0"/>
+              <a:t> </a:t>
+            </a:r>
+            <a:r>
+              <a:rPr lang="en-US" dirty="0" smtClean="0"/>
+              <a:t>modules</a:t>
+            </a:r>
+          </a:p>
+          <a:p>
+            <a:r>
+              <a:rPr lang="en-US" dirty="0"/>
+              <a:t>Alter Table </a:t>
+            </a:r>
+            <a:r>
+              <a:rPr lang="en-US" dirty="0" smtClean="0"/>
+              <a:t>Properties: </a:t>
+            </a:r>
+          </a:p>
+          <a:p>
+            <a:pPr lvl="1"/>
+            <a:r>
+              <a:rPr lang="en-US" dirty="0" smtClean="0"/>
+              <a:t>You can add additional table properties or modify existing properties, but not remove them:</a:t>
+            </a:r>
+          </a:p>
+          <a:p>
+            <a:pPr lvl="1"/>
+            <a:r>
+              <a:rPr lang="en-US" dirty="0" smtClean="0"/>
+              <a:t>ALTER TABLE </a:t>
+            </a:r>
+            <a:r>
+              <a:rPr lang="en-US" dirty="0" err="1" smtClean="0"/>
+              <a:t>log_messages</a:t>
+            </a:r>
+            <a:r>
+              <a:rPr lang="en-US" dirty="0" smtClean="0"/>
+              <a:t> SET TBLPROPERTIES (</a:t>
+            </a:r>
+          </a:p>
+          <a:p>
+            <a:pPr lvl="1"/>
+            <a:r>
+              <a:rPr lang="en-US" dirty="0" smtClean="0"/>
+              <a:t>'notes' = 'The process id is no longer captured; this column is always NULL');</a:t>
+            </a:r>
+          </a:p>
+          <a:p>
+            <a:r>
+              <a:rPr lang="en-US" dirty="0"/>
+              <a:t>Alter Storage </a:t>
+            </a:r>
+            <a:r>
+              <a:rPr lang="en-US" dirty="0" smtClean="0"/>
+              <a:t>Properties:</a:t>
+            </a:r>
+          </a:p>
+          <a:p>
+            <a:pPr lvl="1"/>
+            <a:r>
+              <a:rPr lang="en-US" dirty="0" smtClean="0"/>
+              <a:t>One is Change file format and another is change </a:t>
+            </a:r>
+            <a:r>
+              <a:rPr lang="en-US" dirty="0" err="1" smtClean="0"/>
+              <a:t>SerDes</a:t>
+            </a:r>
+            <a:endParaRPr lang="en-US" dirty="0" smtClean="0"/>
+          </a:p>
+          <a:p>
+            <a:pPr lvl="1"/>
+            <a:r>
+              <a:rPr lang="en-US" dirty="0"/>
+              <a:t>ALTER TABLE </a:t>
+            </a:r>
+            <a:r>
+              <a:rPr lang="en-US" dirty="0" err="1" smtClean="0"/>
+              <a:t>log_messages</a:t>
+            </a:r>
+            <a:r>
+              <a:rPr lang="en-US" dirty="0" smtClean="0"/>
+              <a:t> PARTITION(year </a:t>
+            </a:r>
+            <a:r>
+              <a:rPr lang="en-US" dirty="0"/>
+              <a:t>= 2012, month = 1, day = 1</a:t>
+            </a:r>
+            <a:r>
+              <a:rPr lang="en-US" dirty="0" smtClean="0"/>
+              <a:t>) SET </a:t>
+            </a:r>
+            <a:r>
+              <a:rPr lang="en-US" dirty="0"/>
+              <a:t>FILEFORMAT SEQUENCEFILE</a:t>
+            </a:r>
+            <a:r>
+              <a:rPr lang="en-US" dirty="0" smtClean="0"/>
+              <a:t>;</a:t>
+            </a:r>
+          </a:p>
+          <a:p>
+            <a:pPr lvl="1"/>
+            <a:r>
+              <a:rPr lang="en-US" dirty="0"/>
+              <a:t>ALTER TABLE </a:t>
+            </a:r>
+            <a:r>
+              <a:rPr lang="en-US" dirty="0" err="1" smtClean="0"/>
+              <a:t>table_using_JSON_storage</a:t>
+            </a:r>
+            <a:r>
+              <a:rPr lang="en-US" dirty="0" smtClean="0"/>
+              <a:t> SET </a:t>
+            </a:r>
+            <a:r>
+              <a:rPr lang="en-US" dirty="0"/>
+              <a:t>SERDE </a:t>
+            </a:r>
+            <a:r>
+              <a:rPr lang="en-US" dirty="0" smtClean="0"/>
+              <a:t>'</a:t>
+            </a:r>
+            <a:r>
+              <a:rPr lang="en-US" dirty="0" err="1" smtClean="0"/>
+              <a:t>com.example.JSONSerDe</a:t>
+            </a:r>
+            <a:r>
+              <a:rPr lang="en-US" dirty="0" smtClean="0"/>
+              <a:t>‘ WITH </a:t>
+            </a:r>
+            <a:r>
+              <a:rPr lang="en-US" dirty="0"/>
+              <a:t>SERDEPROPERTIES </a:t>
+            </a:r>
+            <a:r>
+              <a:rPr lang="en-US" dirty="0" smtClean="0"/>
+              <a:t>( 'prop1</a:t>
+            </a:r>
+            <a:r>
+              <a:rPr lang="en-US" dirty="0"/>
+              <a:t>' = 'value1</a:t>
+            </a:r>
+            <a:r>
+              <a:rPr lang="en-US" dirty="0" smtClean="0"/>
+              <a:t>', 'prop2</a:t>
+            </a:r>
+            <a:r>
+              <a:rPr lang="en-US" dirty="0"/>
+              <a:t>' = 'value2');</a:t>
+            </a:r>
+            <a:endParaRPr lang="en-US" dirty="0" smtClean="0"/>
+          </a:p>
+        </p:txBody>
+      </p:sp>
+    </p:spTree>
+    <p:extLst>
+      <p:ext uri="{BB962C8B-B14F-4D97-AF65-F5344CB8AC3E}">
+        <p14:creationId xmlns:p14="http://schemas.microsoft.com/office/powerpoint/2010/main" val="2024759799"/>
+      </p:ext>
+    </p:extLst>
+  </p:cSld>
+  <p:clrMapOvr>
+    <a:masterClrMapping/>
+  </p:clrMapOvr>
+  <p:timing>
+    <p:tnLst>
+      <p:par>
+        <p:cTn id="1" dur="indefinite" restart="never" nodeType="tmRoot"/>
+      </p:par>
+    </p:tnLst>
+  </p:timing>
+</p:sld>
+</file>
+
+<file path=ppt/slides/slide29.xml><?xml version="1.0" encoding="utf-8"?>
+<p:sld xmlns:a="http://schemas.openxmlformats.org/drawingml/2006/main" xmlns:r="http://schemas.openxmlformats.org/officeDocument/2006/relationships" xmlns:p="http://schemas.openxmlformats.org/presentationml/2006/main">
+  <p:cSld>
+    <p:spTree>
+      <p:nvGrpSpPr>
+        <p:cNvPr id="1" name=""/>
+        <p:cNvGrpSpPr/>
+        <p:nvPr/>
+      </p:nvGrpSpPr>
+      <p:grpSpPr>
+        <a:xfrm>
+          <a:off x="0" y="0"/>
+          <a:ext cx="0" cy="0"/>
+          <a:chOff x="0" y="0"/>
+          <a:chExt cx="0" cy="0"/>
+        </a:xfrm>
+      </p:grpSpPr>
+      <p:sp>
+        <p:nvSpPr>
+          <p:cNvPr id="2" name="Title 1"/>
+          <p:cNvSpPr>
+            <a:spLocks noGrp="1"/>
+          </p:cNvSpPr>
+          <p:nvPr>
+            <p:ph type="title"/>
+          </p:nvPr>
+        </p:nvSpPr>
+        <p:spPr>
+          <a:xfrm>
+            <a:off x="0" y="1"/>
+            <a:ext cx="12192000" cy="791570"/>
+          </a:xfrm>
+        </p:spPr>
+        <p:txBody>
+          <a:bodyPr>
+            <a:normAutofit/>
+          </a:bodyPr>
+          <a:lstStyle/>
+          <a:p>
+            <a:r>
+              <a:rPr lang="en-US" dirty="0" err="1" smtClean="0"/>
+              <a:t>HiveQL</a:t>
+            </a:r>
+            <a:r>
+              <a:rPr lang="en-US" dirty="0" smtClean="0"/>
+              <a:t> – DDL – Alter table</a:t>
+            </a:r>
+            <a:endParaRPr lang="en-US" dirty="0"/>
+          </a:p>
+        </p:txBody>
+      </p:sp>
+      <p:sp>
+        <p:nvSpPr>
+          <p:cNvPr id="3" name="Content Placeholder 2"/>
+          <p:cNvSpPr>
+            <a:spLocks noGrp="1"/>
+          </p:cNvSpPr>
+          <p:nvPr>
+            <p:ph idx="1"/>
+          </p:nvPr>
+        </p:nvSpPr>
+        <p:spPr>
+          <a:xfrm>
+            <a:off x="590550" y="791570"/>
+            <a:ext cx="11601450" cy="6066430"/>
+          </a:xfrm>
+        </p:spPr>
+        <p:txBody>
+          <a:bodyPr>
+            <a:normAutofit fontScale="85000" lnSpcReduction="20000"/>
+          </a:bodyPr>
+          <a:lstStyle/>
+          <a:p>
+            <a:pPr lvl="1"/>
+            <a:r>
+              <a:rPr lang="en-US" dirty="0"/>
+              <a:t>how to add new </a:t>
+            </a:r>
+            <a:r>
+              <a:rPr lang="en-US" sz="2000" dirty="0"/>
+              <a:t>SERDEPROPERTIES </a:t>
+            </a:r>
+            <a:r>
+              <a:rPr lang="en-US" dirty="0"/>
+              <a:t>for the </a:t>
+            </a:r>
+            <a:r>
+              <a:rPr lang="en-US" dirty="0" smtClean="0"/>
+              <a:t>current </a:t>
+            </a:r>
+            <a:r>
+              <a:rPr lang="en-US" dirty="0" err="1" smtClean="0"/>
+              <a:t>SerDe</a:t>
+            </a:r>
+            <a:r>
+              <a:rPr lang="en-US" dirty="0"/>
+              <a:t>:</a:t>
+            </a:r>
+          </a:p>
+          <a:p>
+            <a:pPr lvl="1"/>
+            <a:r>
+              <a:rPr lang="en-US" dirty="0"/>
+              <a:t>ALTER TABLE </a:t>
+            </a:r>
+            <a:r>
+              <a:rPr lang="en-US" dirty="0" err="1" smtClean="0"/>
+              <a:t>table_using_JSON_storage</a:t>
+            </a:r>
+            <a:r>
+              <a:rPr lang="en-US" dirty="0" smtClean="0"/>
+              <a:t> </a:t>
+            </a:r>
+            <a:endParaRPr lang="en-US" dirty="0"/>
+          </a:p>
+          <a:p>
+            <a:pPr lvl="1"/>
+            <a:r>
+              <a:rPr lang="en-US" dirty="0"/>
+              <a:t>SET SERDEPROPERTIES </a:t>
+            </a:r>
+            <a:r>
+              <a:rPr lang="en-US" dirty="0" smtClean="0"/>
+              <a:t>( 'prop3</a:t>
+            </a:r>
+            <a:r>
+              <a:rPr lang="en-US" dirty="0"/>
+              <a:t>' = 'value3</a:t>
+            </a:r>
+            <a:r>
+              <a:rPr lang="en-US" dirty="0" smtClean="0"/>
+              <a:t>', 'prop4</a:t>
+            </a:r>
+            <a:r>
+              <a:rPr lang="en-US" dirty="0"/>
+              <a:t>' = 'value4</a:t>
+            </a:r>
+            <a:r>
+              <a:rPr lang="en-US" dirty="0" smtClean="0"/>
+              <a:t>');</a:t>
+            </a:r>
+          </a:p>
+          <a:p>
+            <a:pPr lvl="1"/>
+            <a:r>
+              <a:rPr lang="en-US" dirty="0" smtClean="0"/>
+              <a:t>Alter </a:t>
+            </a:r>
+            <a:r>
+              <a:rPr lang="en-US" dirty="0"/>
+              <a:t>the storage </a:t>
+            </a:r>
+            <a:r>
+              <a:rPr lang="en-US" dirty="0" smtClean="0"/>
+              <a:t>properties (like buckets)</a:t>
+            </a:r>
+          </a:p>
+          <a:p>
+            <a:pPr lvl="1"/>
+            <a:r>
+              <a:rPr lang="en-US" dirty="0"/>
+              <a:t>ALTER TABLE </a:t>
+            </a:r>
+            <a:r>
+              <a:rPr lang="en-US" dirty="0" smtClean="0"/>
+              <a:t>stocks CLUSTERED </a:t>
+            </a:r>
+            <a:r>
+              <a:rPr lang="en-US" dirty="0"/>
+              <a:t>BY (exchange, symbol</a:t>
+            </a:r>
+            <a:r>
+              <a:rPr lang="en-US" dirty="0" smtClean="0"/>
+              <a:t>) SORTED </a:t>
+            </a:r>
+            <a:r>
+              <a:rPr lang="en-US" dirty="0"/>
+              <a:t>BY (symbol</a:t>
+            </a:r>
+            <a:r>
+              <a:rPr lang="en-US" dirty="0" smtClean="0"/>
+              <a:t>) INTO </a:t>
+            </a:r>
+            <a:r>
+              <a:rPr lang="en-US" dirty="0"/>
+              <a:t>48 BUCKETS</a:t>
+            </a:r>
+            <a:r>
+              <a:rPr lang="en-US" dirty="0" smtClean="0"/>
+              <a:t>; </a:t>
+            </a:r>
+          </a:p>
+          <a:p>
+            <a:pPr lvl="1"/>
+            <a:r>
+              <a:rPr lang="en-US" dirty="0" smtClean="0"/>
+              <a:t>Sorted by is optional, clustered by and into buckets are required.</a:t>
+            </a:r>
+          </a:p>
+          <a:p>
+            <a:r>
+              <a:rPr lang="en-US" u="sng" dirty="0"/>
+              <a:t>Execution </a:t>
+            </a:r>
+            <a:r>
+              <a:rPr lang="en-US" u="sng" dirty="0" smtClean="0"/>
+              <a:t>Hooks </a:t>
+            </a:r>
+            <a:r>
+              <a:rPr lang="en-US" dirty="0" smtClean="0"/>
+              <a:t>– alter </a:t>
+            </a:r>
+            <a:r>
+              <a:rPr lang="en-US" dirty="0"/>
+              <a:t>Execution </a:t>
+            </a:r>
+            <a:r>
+              <a:rPr lang="en-US" dirty="0" smtClean="0"/>
+              <a:t>Hooks</a:t>
+            </a:r>
+          </a:p>
+          <a:p>
+            <a:pPr lvl="1"/>
+            <a:r>
+              <a:rPr lang="en-US" dirty="0"/>
+              <a:t>ALTER TABLE … TOUCH statement is used to </a:t>
+            </a:r>
+            <a:r>
+              <a:rPr lang="en-US" dirty="0" smtClean="0"/>
+              <a:t>trigger these </a:t>
+            </a:r>
+            <a:r>
+              <a:rPr lang="en-US" dirty="0"/>
+              <a:t>hooks</a:t>
+            </a:r>
+            <a:r>
+              <a:rPr lang="en-US" dirty="0" smtClean="0"/>
+              <a:t>: </a:t>
+            </a:r>
+          </a:p>
+          <a:p>
+            <a:pPr lvl="1"/>
+            <a:r>
+              <a:rPr lang="en-US" dirty="0" smtClean="0"/>
+              <a:t>ALTER </a:t>
+            </a:r>
+            <a:r>
+              <a:rPr lang="en-US" dirty="0"/>
+              <a:t>TABLE </a:t>
+            </a:r>
+            <a:r>
+              <a:rPr lang="en-US" dirty="0" err="1"/>
+              <a:t>log_messages</a:t>
+            </a:r>
+            <a:r>
+              <a:rPr lang="en-US" dirty="0"/>
+              <a:t> </a:t>
+            </a:r>
+            <a:r>
+              <a:rPr lang="en-US" dirty="0" smtClean="0"/>
+              <a:t>TOUCH PARTITION(year </a:t>
+            </a:r>
+            <a:r>
+              <a:rPr lang="en-US" dirty="0"/>
+              <a:t>= 2012, month = 1, day = 1</a:t>
+            </a:r>
+            <a:r>
+              <a:rPr lang="en-US" dirty="0" smtClean="0"/>
+              <a:t>);</a:t>
+            </a:r>
+          </a:p>
+          <a:p>
+            <a:pPr lvl="1"/>
+            <a:r>
+              <a:rPr lang="en-US" dirty="0"/>
+              <a:t>The PARTITION clause is required for partitioned </a:t>
+            </a:r>
+            <a:r>
+              <a:rPr lang="en-US" dirty="0" smtClean="0"/>
+              <a:t>tables.</a:t>
+            </a:r>
+          </a:p>
+          <a:p>
+            <a:pPr lvl="1"/>
+            <a:r>
+              <a:rPr lang="en-US" dirty="0"/>
+              <a:t>A typical scenario for this </a:t>
+            </a:r>
+            <a:r>
+              <a:rPr lang="en-US" dirty="0" smtClean="0"/>
+              <a:t>statement is </a:t>
+            </a:r>
+            <a:r>
+              <a:rPr lang="en-US" dirty="0"/>
+              <a:t>to trigger execution of the hooks when table storage files have been </a:t>
+            </a:r>
+            <a:r>
+              <a:rPr lang="en-US" dirty="0" smtClean="0"/>
+              <a:t>modified outside </a:t>
+            </a:r>
+            <a:r>
+              <a:rPr lang="en-US" dirty="0"/>
+              <a:t>of Hive</a:t>
+            </a:r>
+            <a:r>
+              <a:rPr lang="en-US" dirty="0" smtClean="0"/>
+              <a:t>. Below script writes a new file for partition (mentioned in brackets) that triggers the hook.</a:t>
+            </a:r>
+          </a:p>
+          <a:p>
+            <a:pPr lvl="1"/>
+            <a:r>
+              <a:rPr lang="en-US" dirty="0"/>
+              <a:t>hive -e 'ALTER TABLE </a:t>
+            </a:r>
+            <a:r>
+              <a:rPr lang="en-US" dirty="0" err="1"/>
+              <a:t>log_messages</a:t>
+            </a:r>
+            <a:r>
+              <a:rPr lang="en-US" dirty="0"/>
+              <a:t> TOUCH PARTITION(year = 2012, month = 1, day = 1</a:t>
+            </a:r>
+            <a:r>
+              <a:rPr lang="en-US" dirty="0" smtClean="0"/>
+              <a:t>);‘</a:t>
+            </a:r>
+          </a:p>
+          <a:p>
+            <a:r>
+              <a:rPr lang="en-US" dirty="0"/>
+              <a:t>The </a:t>
+            </a:r>
+            <a:r>
+              <a:rPr lang="en-US" sz="2400" dirty="0"/>
+              <a:t>ALTER TABLE … ARCHIVE PARTITION </a:t>
+            </a:r>
+            <a:r>
+              <a:rPr lang="en-US" dirty="0"/>
+              <a:t>statement captures the partition files into a </a:t>
+            </a:r>
+            <a:r>
+              <a:rPr lang="en-US" dirty="0" smtClean="0"/>
+              <a:t>Hadoop archive </a:t>
+            </a:r>
+            <a:r>
+              <a:rPr lang="en-US" dirty="0"/>
+              <a:t>(HAR) file</a:t>
+            </a:r>
+            <a:r>
+              <a:rPr lang="en-US" dirty="0" smtClean="0"/>
+              <a:t>. This reduces load on </a:t>
+            </a:r>
+            <a:r>
+              <a:rPr lang="en-US" dirty="0" err="1" smtClean="0"/>
+              <a:t>NN,but</a:t>
+            </a:r>
+            <a:r>
+              <a:rPr lang="en-US" dirty="0" smtClean="0"/>
+              <a:t> it doesn’t compress anything. </a:t>
+            </a:r>
+          </a:p>
+          <a:p>
+            <a:pPr lvl="1"/>
+            <a:r>
+              <a:rPr lang="en-US" dirty="0" smtClean="0"/>
+              <a:t>ALTER </a:t>
+            </a:r>
+            <a:r>
+              <a:rPr lang="en-US" dirty="0"/>
+              <a:t>TABLE </a:t>
+            </a:r>
+            <a:r>
+              <a:rPr lang="en-US" dirty="0" err="1"/>
+              <a:t>log_messages</a:t>
+            </a:r>
+            <a:r>
+              <a:rPr lang="en-US" dirty="0"/>
+              <a:t> </a:t>
+            </a:r>
+            <a:r>
+              <a:rPr lang="en-US" dirty="0" smtClean="0"/>
+              <a:t>ARCHIVE PARTITION(year </a:t>
+            </a:r>
+            <a:r>
+              <a:rPr lang="en-US" dirty="0"/>
+              <a:t>= 2012, month = 1, day = 1</a:t>
+            </a:r>
+            <a:r>
+              <a:rPr lang="en-US" dirty="0" smtClean="0"/>
+              <a:t>);</a:t>
+            </a:r>
+          </a:p>
+          <a:p>
+            <a:r>
+              <a:rPr lang="en-US" dirty="0" err="1" smtClean="0"/>
+              <a:t>Protections:below</a:t>
+            </a:r>
+            <a:r>
+              <a:rPr lang="en-US" dirty="0" smtClean="0"/>
+              <a:t> </a:t>
+            </a:r>
+            <a:r>
+              <a:rPr lang="en-US" dirty="0" err="1" smtClean="0"/>
+              <a:t>stmts</a:t>
+            </a:r>
+            <a:r>
+              <a:rPr lang="en-US" dirty="0" smtClean="0"/>
+              <a:t> prevents partitions from being dropped and queried. Use DISABLE to reverse </a:t>
+            </a:r>
+            <a:r>
+              <a:rPr lang="en-US" smtClean="0"/>
+              <a:t>the operation.</a:t>
+            </a:r>
+            <a:endParaRPr lang="en-US" dirty="0" smtClean="0"/>
+          </a:p>
+          <a:p>
+            <a:pPr lvl="1"/>
+            <a:r>
+              <a:rPr lang="en-US" dirty="0"/>
+              <a:t>ALTER TABLE </a:t>
+            </a:r>
+            <a:r>
+              <a:rPr lang="en-US" dirty="0" err="1" smtClean="0"/>
+              <a:t>log_messages</a:t>
+            </a:r>
+            <a:r>
+              <a:rPr lang="en-US" dirty="0" smtClean="0"/>
+              <a:t> PARTITION(year </a:t>
+            </a:r>
+            <a:r>
+              <a:rPr lang="en-US" dirty="0"/>
+              <a:t>= 2012, month = 1, day = 1) </a:t>
+            </a:r>
+            <a:r>
+              <a:rPr lang="en-US" b="1" dirty="0"/>
+              <a:t>ENABLE NO_DROP</a:t>
+            </a:r>
+            <a:r>
+              <a:rPr lang="en-US" b="1" dirty="0" smtClean="0"/>
+              <a:t>;</a:t>
+            </a:r>
+          </a:p>
+          <a:p>
+            <a:pPr lvl="1"/>
+            <a:r>
+              <a:rPr lang="en-US" dirty="0"/>
+              <a:t>ALTER TABLE </a:t>
+            </a:r>
+            <a:r>
+              <a:rPr lang="en-US" dirty="0" err="1" smtClean="0"/>
+              <a:t>log_messages</a:t>
+            </a:r>
+            <a:r>
+              <a:rPr lang="en-US" dirty="0" smtClean="0"/>
+              <a:t> PARTITION(year </a:t>
+            </a:r>
+            <a:r>
+              <a:rPr lang="en-US" dirty="0"/>
+              <a:t>= 2012, month = 1, day = 1</a:t>
+            </a:r>
+            <a:r>
+              <a:rPr lang="en-US" b="1" dirty="0"/>
+              <a:t>) ENABLE OFFLINE</a:t>
+            </a:r>
+            <a:r>
+              <a:rPr lang="en-US" dirty="0"/>
+              <a:t>;</a:t>
+            </a:r>
+            <a:endParaRPr lang="en-US" dirty="0" smtClean="0"/>
+          </a:p>
+        </p:txBody>
+      </p:sp>
+    </p:spTree>
+    <p:extLst>
+      <p:ext uri="{BB962C8B-B14F-4D97-AF65-F5344CB8AC3E}">
+        <p14:creationId xmlns:p14="http://schemas.microsoft.com/office/powerpoint/2010/main" val="4216292412"/>
       </p:ext>
     </p:extLst>
   </p:cSld>
